--- a/使用Python製作貪吃蛇遊戲.pptx
+++ b/使用Python製作貪吃蛇遊戲.pptx
@@ -5,7 +5,7 @@
     <p:sldMasterId id="2147483648" r:id="rId1"/>
   </p:sldMasterIdLst>
   <p:notesMasterIdLst>
-    <p:notesMasterId r:id="rId8"/>
+    <p:notesMasterId r:id="rId10"/>
   </p:notesMasterIdLst>
   <p:sldIdLst>
     <p:sldId id="256" r:id="rId2"/>
@@ -14,6 +14,8 @@
     <p:sldId id="259" r:id="rId5"/>
     <p:sldId id="261" r:id="rId6"/>
     <p:sldId id="262" r:id="rId7"/>
+    <p:sldId id="264" r:id="rId8"/>
+    <p:sldId id="265" r:id="rId9"/>
   </p:sldIdLst>
   <p:sldSz cx="12192000" cy="6858000"/>
   <p:notesSz cx="6858000" cy="9144000"/>
@@ -123,7 +125,7 @@
 <file path=ppt/revisionInfo.xml><?xml version="1.0" encoding="utf-8"?>
 <p1510:revInfo xmlns:a="http://schemas.openxmlformats.org/drawingml/2006/main" xmlns:r="http://schemas.openxmlformats.org/officeDocument/2006/relationships" xmlns:p1510="http://schemas.microsoft.com/office/powerpoint/2015/10/main">
   <p1510:revLst>
-    <p1510:client id="{A1F4F9B2-09D6-42FF-8C00-83C0A77BC411}" v="126" dt="2022-10-18T00:36:47.459"/>
+    <p1510:client id="{A1F4F9B2-09D6-42FF-8C00-83C0A77BC411}" v="191" dt="2022-10-18T01:00:47.054"/>
   </p1510:revLst>
 </p1510:revInfo>
 </file>
@@ -133,7 +135,7 @@
   <pc:docChgLst>
     <pc:chgData name="姿君 林" userId="f2b130e329dfeee5" providerId="LiveId" clId="{A1F4F9B2-09D6-42FF-8C00-83C0A77BC411}"/>
     <pc:docChg chg="undo custSel addSld delSld modSld sldOrd">
-      <pc:chgData name="姿君 林" userId="f2b130e329dfeee5" providerId="LiveId" clId="{A1F4F9B2-09D6-42FF-8C00-83C0A77BC411}" dt="2022-10-18T00:40:56.637" v="622" actId="20577"/>
+      <pc:chgData name="姿君 林" userId="f2b130e329dfeee5" providerId="LiveId" clId="{A1F4F9B2-09D6-42FF-8C00-83C0A77BC411}" dt="2022-10-18T01:04:32.042" v="937" actId="20577"/>
       <pc:docMkLst>
         <pc:docMk/>
       </pc:docMkLst>
@@ -152,29 +154,149 @@
           </ac:spMkLst>
         </pc:spChg>
       </pc:sldChg>
-      <pc:sldChg chg="modSp">
-        <pc:chgData name="姿君 林" userId="f2b130e329dfeee5" providerId="LiveId" clId="{A1F4F9B2-09D6-42FF-8C00-83C0A77BC411}" dt="2022-10-18T00:36:47.458" v="591" actId="20577"/>
+      <pc:sldChg chg="addSp delSp modSp mod">
+        <pc:chgData name="姿君 林" userId="f2b130e329dfeee5" providerId="LiveId" clId="{A1F4F9B2-09D6-42FF-8C00-83C0A77BC411}" dt="2022-10-18T00:54:10.907" v="736" actId="1076"/>
         <pc:sldMkLst>
           <pc:docMk/>
           <pc:sldMk cId="3589999996" sldId="258"/>
         </pc:sldMkLst>
-        <pc:graphicFrameChg chg="mod">
-          <ac:chgData name="姿君 林" userId="f2b130e329dfeee5" providerId="LiveId" clId="{A1F4F9B2-09D6-42FF-8C00-83C0A77BC411}" dt="2022-10-18T00:36:47.458" v="591" actId="20577"/>
+        <pc:spChg chg="add mod">
+          <ac:chgData name="姿君 林" userId="f2b130e329dfeee5" providerId="LiveId" clId="{A1F4F9B2-09D6-42FF-8C00-83C0A77BC411}" dt="2022-10-18T00:52:22.974" v="688" actId="1036"/>
+          <ac:spMkLst>
+            <pc:docMk/>
+            <pc:sldMk cId="3589999996" sldId="258"/>
+            <ac:spMk id="8" creationId="{BAC94732-BD8D-7FB1-4865-E118A5517902}"/>
+          </ac:spMkLst>
+        </pc:spChg>
+        <pc:spChg chg="add del">
+          <ac:chgData name="姿君 林" userId="f2b130e329dfeee5" providerId="LiveId" clId="{A1F4F9B2-09D6-42FF-8C00-83C0A77BC411}" dt="2022-10-18T00:49:08.555" v="660" actId="26606"/>
+          <ac:spMkLst>
+            <pc:docMk/>
+            <pc:sldMk cId="3589999996" sldId="258"/>
+            <ac:spMk id="9" creationId="{2B566528-1B12-4246-9431-5C2D7D081168}"/>
+          </ac:spMkLst>
+        </pc:spChg>
+        <pc:spChg chg="add mod">
+          <ac:chgData name="姿君 林" userId="f2b130e329dfeee5" providerId="LiveId" clId="{A1F4F9B2-09D6-42FF-8C00-83C0A77BC411}" dt="2022-10-18T00:54:10.907" v="736" actId="1076"/>
+          <ac:spMkLst>
+            <pc:docMk/>
+            <pc:sldMk cId="3589999996" sldId="258"/>
+            <ac:spMk id="10" creationId="{EEE0CEDF-5C92-F2C0-4C09-9E8F454AD4A0}"/>
+          </ac:spMkLst>
+        </pc:spChg>
+        <pc:spChg chg="add del">
+          <ac:chgData name="姿君 林" userId="f2b130e329dfeee5" providerId="LiveId" clId="{A1F4F9B2-09D6-42FF-8C00-83C0A77BC411}" dt="2022-10-18T00:49:08.555" v="660" actId="26606"/>
+          <ac:spMkLst>
+            <pc:docMk/>
+            <pc:sldMk cId="3589999996" sldId="258"/>
+            <ac:spMk id="11" creationId="{2E80C965-DB6D-4F81-9E9E-B027384D0BD6}"/>
+          </ac:spMkLst>
+        </pc:spChg>
+        <pc:spChg chg="add del">
+          <ac:chgData name="姿君 林" userId="f2b130e329dfeee5" providerId="LiveId" clId="{A1F4F9B2-09D6-42FF-8C00-83C0A77BC411}" dt="2022-10-18T00:49:08.555" v="660" actId="26606"/>
+          <ac:spMkLst>
+            <pc:docMk/>
+            <pc:sldMk cId="3589999996" sldId="258"/>
+            <ac:spMk id="13" creationId="{A580F890-B085-4E95-96AA-55AEBEC5CE6E}"/>
+          </ac:spMkLst>
+        </pc:spChg>
+        <pc:spChg chg="add del">
+          <ac:chgData name="姿君 林" userId="f2b130e329dfeee5" providerId="LiveId" clId="{A1F4F9B2-09D6-42FF-8C00-83C0A77BC411}" dt="2022-10-18T00:49:08.555" v="660" actId="26606"/>
+          <ac:spMkLst>
+            <pc:docMk/>
+            <pc:sldMk cId="3589999996" sldId="258"/>
+            <ac:spMk id="15" creationId="{D3F51FEB-38FB-4F6C-9F7B-2F2AFAB65463}"/>
+          </ac:spMkLst>
+        </pc:spChg>
+        <pc:spChg chg="add del">
+          <ac:chgData name="姿君 林" userId="f2b130e329dfeee5" providerId="LiveId" clId="{A1F4F9B2-09D6-42FF-8C00-83C0A77BC411}" dt="2022-10-18T00:49:08.555" v="660" actId="26606"/>
+          <ac:spMkLst>
+            <pc:docMk/>
+            <pc:sldMk cId="3589999996" sldId="258"/>
+            <ac:spMk id="17" creationId="{1E547BA6-BAE0-43BB-A7CA-60F69CE252F0}"/>
+          </ac:spMkLst>
+        </pc:spChg>
+        <pc:spChg chg="add del">
+          <ac:chgData name="姿君 林" userId="f2b130e329dfeee5" providerId="LiveId" clId="{A1F4F9B2-09D6-42FF-8C00-83C0A77BC411}" dt="2022-10-18T00:49:08.555" v="660" actId="26606"/>
+          <ac:spMkLst>
+            <pc:docMk/>
+            <pc:sldMk cId="3589999996" sldId="258"/>
+            <ac:spMk id="22" creationId="{2B566528-1B12-4246-9431-5C2D7D081168}"/>
+          </ac:spMkLst>
+        </pc:spChg>
+        <pc:grpChg chg="add del">
+          <ac:chgData name="姿君 林" userId="f2b130e329dfeee5" providerId="LiveId" clId="{A1F4F9B2-09D6-42FF-8C00-83C0A77BC411}" dt="2022-10-18T00:49:08.555" v="660" actId="26606"/>
+          <ac:grpSpMkLst>
+            <pc:docMk/>
+            <pc:sldMk cId="3589999996" sldId="258"/>
+            <ac:grpSpMk id="24" creationId="{828A5161-06F1-46CF-8AD7-844680A59E13}"/>
+          </ac:grpSpMkLst>
+        </pc:grpChg>
+        <pc:grpChg chg="add del">
+          <ac:chgData name="姿君 林" userId="f2b130e329dfeee5" providerId="LiveId" clId="{A1F4F9B2-09D6-42FF-8C00-83C0A77BC411}" dt="2022-10-18T00:49:08.555" v="660" actId="26606"/>
+          <ac:grpSpMkLst>
+            <pc:docMk/>
+            <pc:sldMk cId="3589999996" sldId="258"/>
+            <ac:grpSpMk id="28" creationId="{5995D10D-E9C9-47DB-AE7E-801FEF38F5C9}"/>
+          </ac:grpSpMkLst>
+        </pc:grpChg>
+        <pc:graphicFrameChg chg="mod ord modGraphic">
+          <ac:chgData name="姿君 林" userId="f2b130e329dfeee5" providerId="LiveId" clId="{A1F4F9B2-09D6-42FF-8C00-83C0A77BC411}" dt="2022-10-18T00:51:06.332" v="675" actId="1076"/>
           <ac:graphicFrameMkLst>
             <pc:docMk/>
             <pc:sldMk cId="3589999996" sldId="258"/>
             <ac:graphicFrameMk id="5" creationId="{BA160E13-F56A-E284-3FCB-836EDEF8A859}"/>
           </ac:graphicFrameMkLst>
         </pc:graphicFrameChg>
+        <pc:graphicFrameChg chg="add del mod">
+          <ac:chgData name="姿君 林" userId="f2b130e329dfeee5" providerId="LiveId" clId="{A1F4F9B2-09D6-42FF-8C00-83C0A77BC411}" dt="2022-10-18T00:50:38.277" v="670" actId="478"/>
+          <ac:graphicFrameMkLst>
+            <pc:docMk/>
+            <pc:sldMk cId="3589999996" sldId="258"/>
+            <ac:graphicFrameMk id="6" creationId="{A9D7ADD4-518B-1A3A-0531-742B520EBD89}"/>
+          </ac:graphicFrameMkLst>
+        </pc:graphicFrameChg>
+        <pc:picChg chg="add del mod">
+          <ac:chgData name="姿君 林" userId="f2b130e329dfeee5" providerId="LiveId" clId="{A1F4F9B2-09D6-42FF-8C00-83C0A77BC411}" dt="2022-10-18T00:49:09.423" v="661"/>
+          <ac:picMkLst>
+            <pc:docMk/>
+            <pc:sldMk cId="3589999996" sldId="258"/>
+            <ac:picMk id="3" creationId="{9A0D3AF4-0A1E-71B7-9E08-A77F3C1D8943}"/>
+          </ac:picMkLst>
+        </pc:picChg>
+        <pc:picChg chg="add mod">
+          <ac:chgData name="姿君 林" userId="f2b130e329dfeee5" providerId="LiveId" clId="{A1F4F9B2-09D6-42FF-8C00-83C0A77BC411}" dt="2022-10-18T00:49:03.523" v="651"/>
+          <ac:picMkLst>
+            <pc:docMk/>
+            <pc:sldMk cId="3589999996" sldId="258"/>
+            <ac:picMk id="4" creationId="{9A0D3AF4-0A1E-71B7-9E08-A77F3C1D8943}"/>
+          </ac:picMkLst>
+        </pc:picChg>
+        <pc:picChg chg="add mod">
+          <ac:chgData name="姿君 林" userId="f2b130e329dfeee5" providerId="LiveId" clId="{A1F4F9B2-09D6-42FF-8C00-83C0A77BC411}" dt="2022-10-18T00:51:25.839" v="678" actId="14100"/>
+          <ac:picMkLst>
+            <pc:docMk/>
+            <pc:sldMk cId="3589999996" sldId="258"/>
+            <ac:picMk id="7" creationId="{8204565C-F784-8A16-16DF-3CBCC20F4111}"/>
+          </ac:picMkLst>
+        </pc:picChg>
       </pc:sldChg>
-      <pc:sldChg chg="modSp ord">
-        <pc:chgData name="姿君 林" userId="f2b130e329dfeee5" providerId="LiveId" clId="{A1F4F9B2-09D6-42FF-8C00-83C0A77BC411}" dt="2022-10-17T14:18:07.195" v="580"/>
+      <pc:sldChg chg="addSp modSp mod ord">
+        <pc:chgData name="姿君 林" userId="f2b130e329dfeee5" providerId="LiveId" clId="{A1F4F9B2-09D6-42FF-8C00-83C0A77BC411}" dt="2022-10-18T00:57:33.154" v="801" actId="1076"/>
         <pc:sldMkLst>
           <pc:docMk/>
           <pc:sldMk cId="50132401" sldId="259"/>
         </pc:sldMkLst>
+        <pc:spChg chg="add mod">
+          <ac:chgData name="姿君 林" userId="f2b130e329dfeee5" providerId="LiveId" clId="{A1F4F9B2-09D6-42FF-8C00-83C0A77BC411}" dt="2022-10-18T00:57:33.154" v="801" actId="1076"/>
+          <ac:spMkLst>
+            <pc:docMk/>
+            <pc:sldMk cId="50132401" sldId="259"/>
+            <ac:spMk id="4" creationId="{454357CA-8ED2-63C2-0E58-0F65F4E345B5}"/>
+          </ac:spMkLst>
+        </pc:spChg>
         <pc:picChg chg="mod">
-          <ac:chgData name="姿君 林" userId="f2b130e329dfeee5" providerId="LiveId" clId="{A1F4F9B2-09D6-42FF-8C00-83C0A77BC411}" dt="2022-10-17T12:40:27.034" v="112"/>
+          <ac:chgData name="姿君 林" userId="f2b130e329dfeee5" providerId="LiveId" clId="{A1F4F9B2-09D6-42FF-8C00-83C0A77BC411}" dt="2022-10-18T00:55:39.524" v="783" actId="1076"/>
           <ac:picMkLst>
             <pc:docMk/>
             <pc:sldMk cId="50132401" sldId="259"/>
@@ -317,7 +439,7 @@
         </pc:picChg>
       </pc:sldChg>
       <pc:sldChg chg="addSp delSp modSp add mod setBg delDesignElem modNotesTx">
-        <pc:chgData name="姿君 林" userId="f2b130e329dfeee5" providerId="LiveId" clId="{A1F4F9B2-09D6-42FF-8C00-83C0A77BC411}" dt="2022-10-18T00:40:56.637" v="622" actId="20577"/>
+        <pc:chgData name="姿君 林" userId="f2b130e329dfeee5" providerId="LiveId" clId="{A1F4F9B2-09D6-42FF-8C00-83C0A77BC411}" dt="2022-10-18T00:55:24.441" v="781" actId="1038"/>
         <pc:sldMkLst>
           <pc:docMk/>
           <pc:sldMk cId="1547215336" sldId="262"/>
@@ -347,7 +469,7 @@
           </ac:spMkLst>
         </pc:spChg>
         <pc:spChg chg="add mod">
-          <ac:chgData name="姿君 林" userId="f2b130e329dfeee5" providerId="LiveId" clId="{A1F4F9B2-09D6-42FF-8C00-83C0A77BC411}" dt="2022-10-17T14:14:01.898" v="407" actId="1076"/>
+          <ac:chgData name="姿君 林" userId="f2b130e329dfeee5" providerId="LiveId" clId="{A1F4F9B2-09D6-42FF-8C00-83C0A77BC411}" dt="2022-10-18T00:55:17.344" v="767" actId="1076"/>
           <ac:spMkLst>
             <pc:docMk/>
             <pc:sldMk cId="1547215336" sldId="262"/>
@@ -355,7 +477,7 @@
           </ac:spMkLst>
         </pc:spChg>
         <pc:spChg chg="add mod">
-          <ac:chgData name="姿君 林" userId="f2b130e329dfeee5" providerId="LiveId" clId="{A1F4F9B2-09D6-42FF-8C00-83C0A77BC411}" dt="2022-10-17T14:14:16.050" v="413" actId="20577"/>
+          <ac:chgData name="姿君 林" userId="f2b130e329dfeee5" providerId="LiveId" clId="{A1F4F9B2-09D6-42FF-8C00-83C0A77BC411}" dt="2022-10-18T00:55:24.441" v="781" actId="1038"/>
           <ac:spMkLst>
             <pc:docMk/>
             <pc:sldMk cId="1547215336" sldId="262"/>
@@ -568,6 +690,220 @@
             <ac:grpSpMk id="2063" creationId="{5995D10D-E9C9-47DB-AE7E-801FEF38F5C9}"/>
           </ac:grpSpMkLst>
         </pc:grpChg>
+      </pc:sldChg>
+      <pc:sldChg chg="addSp delSp modSp new mod setBg">
+        <pc:chgData name="姿君 林" userId="f2b130e329dfeee5" providerId="LiveId" clId="{A1F4F9B2-09D6-42FF-8C00-83C0A77BC411}" dt="2022-10-18T01:03:56.364" v="912" actId="2711"/>
+        <pc:sldMkLst>
+          <pc:docMk/>
+          <pc:sldMk cId="1176478317" sldId="264"/>
+        </pc:sldMkLst>
+        <pc:spChg chg="mod">
+          <ac:chgData name="姿君 林" userId="f2b130e329dfeee5" providerId="LiveId" clId="{A1F4F9B2-09D6-42FF-8C00-83C0A77BC411}" dt="2022-10-18T01:03:14.747" v="906" actId="2711"/>
+          <ac:spMkLst>
+            <pc:docMk/>
+            <pc:sldMk cId="1176478317" sldId="264"/>
+            <ac:spMk id="2" creationId="{6274F840-E703-01CB-862D-131C36B1CA5F}"/>
+          </ac:spMkLst>
+        </pc:spChg>
+        <pc:spChg chg="mod">
+          <ac:chgData name="姿君 林" userId="f2b130e329dfeee5" providerId="LiveId" clId="{A1F4F9B2-09D6-42FF-8C00-83C0A77BC411}" dt="2022-10-18T01:03:56.364" v="912" actId="2711"/>
+          <ac:spMkLst>
+            <pc:docMk/>
+            <pc:sldMk cId="1176478317" sldId="264"/>
+            <ac:spMk id="3" creationId="{CAAD97A0-A628-DE08-D02A-3AE0F968EBC1}"/>
+          </ac:spMkLst>
+        </pc:spChg>
+        <pc:spChg chg="add del">
+          <ac:chgData name="姿君 林" userId="f2b130e329dfeee5" providerId="LiveId" clId="{A1F4F9B2-09D6-42FF-8C00-83C0A77BC411}" dt="2022-10-18T01:00:01.371" v="841"/>
+          <ac:spMkLst>
+            <pc:docMk/>
+            <pc:sldMk cId="1176478317" sldId="264"/>
+            <ac:spMk id="4" creationId="{7D9BB187-E95C-171E-2FBC-75F0A4B4463E}"/>
+          </ac:spMkLst>
+        </pc:spChg>
+        <pc:spChg chg="add del">
+          <ac:chgData name="姿君 林" userId="f2b130e329dfeee5" providerId="LiveId" clId="{A1F4F9B2-09D6-42FF-8C00-83C0A77BC411}" dt="2022-10-18T01:00:04.443" v="843"/>
+          <ac:spMkLst>
+            <pc:docMk/>
+            <pc:sldMk cId="1176478317" sldId="264"/>
+            <ac:spMk id="5" creationId="{BC912F8C-22AE-169B-E99D-479A2A700CF5}"/>
+          </ac:spMkLst>
+        </pc:spChg>
+        <pc:spChg chg="add del">
+          <ac:chgData name="姿君 林" userId="f2b130e329dfeee5" providerId="LiveId" clId="{A1F4F9B2-09D6-42FF-8C00-83C0A77BC411}" dt="2022-10-18T01:00:09.890" v="846"/>
+          <ac:spMkLst>
+            <pc:docMk/>
+            <pc:sldMk cId="1176478317" sldId="264"/>
+            <ac:spMk id="6" creationId="{143327DE-97FD-F74D-AACB-046DD8CE4AFA}"/>
+          </ac:spMkLst>
+        </pc:spChg>
+        <pc:spChg chg="add del mod">
+          <ac:chgData name="姿君 林" userId="f2b130e329dfeee5" providerId="LiveId" clId="{A1F4F9B2-09D6-42FF-8C00-83C0A77BC411}" dt="2022-10-18T01:00:28.893" v="852"/>
+          <ac:spMkLst>
+            <pc:docMk/>
+            <pc:sldMk cId="1176478317" sldId="264"/>
+            <ac:spMk id="7" creationId="{63475B76-4E74-6097-78B1-AA22BD3FE2FB}"/>
+          </ac:spMkLst>
+        </pc:spChg>
+        <pc:spChg chg="add del">
+          <ac:chgData name="姿君 林" userId="f2b130e329dfeee5" providerId="LiveId" clId="{A1F4F9B2-09D6-42FF-8C00-83C0A77BC411}" dt="2022-10-18T01:00:34.300" v="854"/>
+          <ac:spMkLst>
+            <pc:docMk/>
+            <pc:sldMk cId="1176478317" sldId="264"/>
+            <ac:spMk id="8" creationId="{52BFED15-2972-7387-E72F-70EF407F4CB4}"/>
+          </ac:spMkLst>
+        </pc:spChg>
+        <pc:spChg chg="add">
+          <ac:chgData name="姿君 林" userId="f2b130e329dfeee5" providerId="LiveId" clId="{A1F4F9B2-09D6-42FF-8C00-83C0A77BC411}" dt="2022-10-18T01:02:45.861" v="903" actId="26606"/>
+          <ac:spMkLst>
+            <pc:docMk/>
+            <pc:sldMk cId="1176478317" sldId="264"/>
+            <ac:spMk id="9" creationId="{2B566528-1B12-4246-9431-5C2D7D081168}"/>
+          </ac:spMkLst>
+        </pc:spChg>
+        <pc:spChg chg="add">
+          <ac:chgData name="姿君 林" userId="f2b130e329dfeee5" providerId="LiveId" clId="{A1F4F9B2-09D6-42FF-8C00-83C0A77BC411}" dt="2022-10-18T01:02:45.861" v="903" actId="26606"/>
+          <ac:spMkLst>
+            <pc:docMk/>
+            <pc:sldMk cId="1176478317" sldId="264"/>
+            <ac:spMk id="10" creationId="{2E80C965-DB6D-4F81-9E9E-B027384D0BD6}"/>
+          </ac:spMkLst>
+        </pc:spChg>
+        <pc:spChg chg="add">
+          <ac:chgData name="姿君 林" userId="f2b130e329dfeee5" providerId="LiveId" clId="{A1F4F9B2-09D6-42FF-8C00-83C0A77BC411}" dt="2022-10-18T01:02:45.861" v="903" actId="26606"/>
+          <ac:spMkLst>
+            <pc:docMk/>
+            <pc:sldMk cId="1176478317" sldId="264"/>
+            <ac:spMk id="12" creationId="{A580F890-B085-4E95-96AA-55AEBEC5CE6E}"/>
+          </ac:spMkLst>
+        </pc:spChg>
+        <pc:spChg chg="add">
+          <ac:chgData name="姿君 林" userId="f2b130e329dfeee5" providerId="LiveId" clId="{A1F4F9B2-09D6-42FF-8C00-83C0A77BC411}" dt="2022-10-18T01:02:45.861" v="903" actId="26606"/>
+          <ac:spMkLst>
+            <pc:docMk/>
+            <pc:sldMk cId="1176478317" sldId="264"/>
+            <ac:spMk id="14" creationId="{D3F51FEB-38FB-4F6C-9F7B-2F2AFAB65463}"/>
+          </ac:spMkLst>
+        </pc:spChg>
+        <pc:spChg chg="add">
+          <ac:chgData name="姿君 林" userId="f2b130e329dfeee5" providerId="LiveId" clId="{A1F4F9B2-09D6-42FF-8C00-83C0A77BC411}" dt="2022-10-18T01:02:45.861" v="903" actId="26606"/>
+          <ac:spMkLst>
+            <pc:docMk/>
+            <pc:sldMk cId="1176478317" sldId="264"/>
+            <ac:spMk id="16" creationId="{1E547BA6-BAE0-43BB-A7CA-60F69CE252F0}"/>
+          </ac:spMkLst>
+        </pc:spChg>
+      </pc:sldChg>
+      <pc:sldChg chg="addSp delSp modSp new mod setBg">
+        <pc:chgData name="姿君 林" userId="f2b130e329dfeee5" providerId="LiveId" clId="{A1F4F9B2-09D6-42FF-8C00-83C0A77BC411}" dt="2022-10-18T01:04:32.042" v="937" actId="20577"/>
+        <pc:sldMkLst>
+          <pc:docMk/>
+          <pc:sldMk cId="535584192" sldId="265"/>
+        </pc:sldMkLst>
+        <pc:spChg chg="mod">
+          <ac:chgData name="姿君 林" userId="f2b130e329dfeee5" providerId="LiveId" clId="{A1F4F9B2-09D6-42FF-8C00-83C0A77BC411}" dt="2022-10-18T01:04:32.042" v="937" actId="20577"/>
+          <ac:spMkLst>
+            <pc:docMk/>
+            <pc:sldMk cId="535584192" sldId="265"/>
+            <ac:spMk id="2" creationId="{4B416390-5D3E-0C10-1960-9850EA86337F}"/>
+          </ac:spMkLst>
+        </pc:spChg>
+        <pc:spChg chg="del">
+          <ac:chgData name="姿君 林" userId="f2b130e329dfeee5" providerId="LiveId" clId="{A1F4F9B2-09D6-42FF-8C00-83C0A77BC411}" dt="2022-10-18T01:04:21.764" v="914" actId="26606"/>
+          <ac:spMkLst>
+            <pc:docMk/>
+            <pc:sldMk cId="535584192" sldId="265"/>
+            <ac:spMk id="3" creationId="{4564DF98-E751-9F98-B1DB-33DB360982DD}"/>
+          </ac:spMkLst>
+        </pc:spChg>
+        <pc:spChg chg="add">
+          <ac:chgData name="姿君 林" userId="f2b130e329dfeee5" providerId="LiveId" clId="{A1F4F9B2-09D6-42FF-8C00-83C0A77BC411}" dt="2022-10-18T01:04:21.764" v="914" actId="26606"/>
+          <ac:spMkLst>
+            <pc:docMk/>
+            <pc:sldMk cId="535584192" sldId="265"/>
+            <ac:spMk id="8" creationId="{88294908-8B00-4F58-BBBA-20F71A40AA9E}"/>
+          </ac:spMkLst>
+        </pc:spChg>
+        <pc:spChg chg="add">
+          <ac:chgData name="姿君 林" userId="f2b130e329dfeee5" providerId="LiveId" clId="{A1F4F9B2-09D6-42FF-8C00-83C0A77BC411}" dt="2022-10-18T01:04:21.764" v="914" actId="26606"/>
+          <ac:spMkLst>
+            <pc:docMk/>
+            <pc:sldMk cId="535584192" sldId="265"/>
+            <ac:spMk id="10" creationId="{4364C879-1404-4203-8E9D-CC5DE0A621A2}"/>
+          </ac:spMkLst>
+        </pc:spChg>
+        <pc:spChg chg="add">
+          <ac:chgData name="姿君 林" userId="f2b130e329dfeee5" providerId="LiveId" clId="{A1F4F9B2-09D6-42FF-8C00-83C0A77BC411}" dt="2022-10-18T01:04:21.764" v="914" actId="26606"/>
+          <ac:spMkLst>
+            <pc:docMk/>
+            <pc:sldMk cId="535584192" sldId="265"/>
+            <ac:spMk id="12" creationId="{84617302-4B0D-4351-A6BB-6F0930D943AC}"/>
+          </ac:spMkLst>
+        </pc:spChg>
+        <pc:spChg chg="add">
+          <ac:chgData name="姿君 林" userId="f2b130e329dfeee5" providerId="LiveId" clId="{A1F4F9B2-09D6-42FF-8C00-83C0A77BC411}" dt="2022-10-18T01:04:21.764" v="914" actId="26606"/>
+          <ac:spMkLst>
+            <pc:docMk/>
+            <pc:sldMk cId="535584192" sldId="265"/>
+            <ac:spMk id="14" creationId="{DA2C7802-C2E0-4218-8F89-8DD7CCD2CD1C}"/>
+          </ac:spMkLst>
+        </pc:spChg>
+        <pc:spChg chg="add">
+          <ac:chgData name="姿君 林" userId="f2b130e329dfeee5" providerId="LiveId" clId="{A1F4F9B2-09D6-42FF-8C00-83C0A77BC411}" dt="2022-10-18T01:04:21.764" v="914" actId="26606"/>
+          <ac:spMkLst>
+            <pc:docMk/>
+            <pc:sldMk cId="535584192" sldId="265"/>
+            <ac:spMk id="16" creationId="{A6D7111A-21E5-4EE9-8A78-10E5530F0116}"/>
+          </ac:spMkLst>
+        </pc:spChg>
+        <pc:spChg chg="add">
+          <ac:chgData name="姿君 林" userId="f2b130e329dfeee5" providerId="LiveId" clId="{A1F4F9B2-09D6-42FF-8C00-83C0A77BC411}" dt="2022-10-18T01:04:21.764" v="914" actId="26606"/>
+          <ac:spMkLst>
+            <pc:docMk/>
+            <pc:sldMk cId="535584192" sldId="265"/>
+            <ac:spMk id="18" creationId="{A3969E80-A77B-49FC-9122-D89AFD5EE118}"/>
+          </ac:spMkLst>
+        </pc:spChg>
+        <pc:spChg chg="add">
+          <ac:chgData name="姿君 林" userId="f2b130e329dfeee5" providerId="LiveId" clId="{A1F4F9B2-09D6-42FF-8C00-83C0A77BC411}" dt="2022-10-18T01:04:21.764" v="914" actId="26606"/>
+          <ac:spMkLst>
+            <pc:docMk/>
+            <pc:sldMk cId="535584192" sldId="265"/>
+            <ac:spMk id="20" creationId="{1849CA57-76BD-4CF2-80BA-D7A46A01B7B1}"/>
+          </ac:spMkLst>
+        </pc:spChg>
+        <pc:spChg chg="add">
+          <ac:chgData name="姿君 林" userId="f2b130e329dfeee5" providerId="LiveId" clId="{A1F4F9B2-09D6-42FF-8C00-83C0A77BC411}" dt="2022-10-18T01:04:21.764" v="914" actId="26606"/>
+          <ac:spMkLst>
+            <pc:docMk/>
+            <pc:sldMk cId="535584192" sldId="265"/>
+            <ac:spMk id="22" creationId="{35E9085E-E730-4768-83D4-6CB7E9897153}"/>
+          </ac:spMkLst>
+        </pc:spChg>
+        <pc:spChg chg="add">
+          <ac:chgData name="姿君 林" userId="f2b130e329dfeee5" providerId="LiveId" clId="{A1F4F9B2-09D6-42FF-8C00-83C0A77BC411}" dt="2022-10-18T01:04:21.764" v="914" actId="26606"/>
+          <ac:spMkLst>
+            <pc:docMk/>
+            <pc:sldMk cId="535584192" sldId="265"/>
+            <ac:spMk id="24" creationId="{973272FE-A474-4CAE-8CA2-BCC8B476C3F4}"/>
+          </ac:spMkLst>
+        </pc:spChg>
+        <pc:spChg chg="add">
+          <ac:chgData name="姿君 林" userId="f2b130e329dfeee5" providerId="LiveId" clId="{A1F4F9B2-09D6-42FF-8C00-83C0A77BC411}" dt="2022-10-18T01:04:21.764" v="914" actId="26606"/>
+          <ac:spMkLst>
+            <pc:docMk/>
+            <pc:sldMk cId="535584192" sldId="265"/>
+            <ac:spMk id="26" creationId="{E07981EA-05A6-437C-88D7-B377B92B031D}"/>
+          </ac:spMkLst>
+        </pc:spChg>
+        <pc:spChg chg="add">
+          <ac:chgData name="姿君 林" userId="f2b130e329dfeee5" providerId="LiveId" clId="{A1F4F9B2-09D6-42FF-8C00-83C0A77BC411}" dt="2022-10-18T01:04:21.764" v="914" actId="26606"/>
+          <ac:spMkLst>
+            <pc:docMk/>
+            <pc:sldMk cId="535584192" sldId="265"/>
+            <ac:spMk id="28" creationId="{15E3C750-986E-4769-B1AE-49289FBEE757}"/>
+          </ac:spMkLst>
+        </pc:spChg>
       </pc:sldChg>
     </pc:docChg>
   </pc:docChgLst>
@@ -1507,57 +1843,6 @@
         </a:p>
       </dgm:t>
     </dgm:pt>
-    <dgm:pt modelId="{F9988DA2-6569-4571-95A3-CD5011982028}">
-      <dgm:prSet custT="1"/>
-      <dgm:spPr/>
-      <dgm:t>
-        <a:bodyPr/>
-        <a:lstStyle/>
-        <a:p>
-          <a:r>
-            <a:rPr lang="en-US" altLang="zh-TW" sz="2800" dirty="0"/>
-            <a:t>X</a:t>
-          </a:r>
-          <a:r>
-            <a:rPr lang="zh-TW" sz="2800" dirty="0"/>
-            <a:t>類別</a:t>
-          </a:r>
-          <a:r>
-            <a:rPr lang="en-US" sz="2800" dirty="0"/>
-            <a:t>: </a:t>
-          </a:r>
-        </a:p>
-        <a:p>
-          <a:r>
-            <a:rPr lang="zh-TW" sz="2800" dirty="0"/>
-            <a:t>直走、左轉、右轉</a:t>
-          </a:r>
-          <a:endParaRPr lang="en-US" sz="2800" dirty="0"/>
-        </a:p>
-      </dgm:t>
-    </dgm:pt>
-    <dgm:pt modelId="{DF1FA482-9770-4793-8CC9-18A332C47786}" type="parTrans" cxnId="{03A48FD7-7802-4559-A384-5D29EF2AE474}">
-      <dgm:prSet/>
-      <dgm:spPr/>
-      <dgm:t>
-        <a:bodyPr/>
-        <a:lstStyle/>
-        <a:p>
-          <a:endParaRPr lang="en-US"/>
-        </a:p>
-      </dgm:t>
-    </dgm:pt>
-    <dgm:pt modelId="{B2017CAF-D279-4C39-BEAA-269CF5A96ABF}" type="sibTrans" cxnId="{03A48FD7-7802-4559-A384-5D29EF2AE474}">
-      <dgm:prSet/>
-      <dgm:spPr/>
-      <dgm:t>
-        <a:bodyPr/>
-        <a:lstStyle/>
-        <a:p>
-          <a:endParaRPr lang="en-US"/>
-        </a:p>
-      </dgm:t>
-    </dgm:pt>
     <dgm:pt modelId="{F2180F54-A449-4109-88B5-5A675610807A}">
       <dgm:prSet custT="1"/>
       <dgm:spPr/>
@@ -1666,6 +1951,57 @@
         </a:p>
       </dgm:t>
     </dgm:pt>
+    <dgm:pt modelId="{F9988DA2-6569-4571-95A3-CD5011982028}">
+      <dgm:prSet custT="1"/>
+      <dgm:spPr/>
+      <dgm:t>
+        <a:bodyPr/>
+        <a:lstStyle/>
+        <a:p>
+          <a:r>
+            <a:rPr lang="en-US" altLang="zh-TW" sz="2800" dirty="0"/>
+            <a:t>X</a:t>
+          </a:r>
+          <a:r>
+            <a:rPr lang="zh-TW" sz="2800" dirty="0"/>
+            <a:t>類別</a:t>
+          </a:r>
+          <a:r>
+            <a:rPr lang="en-US" sz="2800" dirty="0"/>
+            <a:t>: </a:t>
+          </a:r>
+        </a:p>
+        <a:p>
+          <a:r>
+            <a:rPr lang="zh-TW" sz="2800" dirty="0"/>
+            <a:t>直走、左轉、右轉</a:t>
+          </a:r>
+          <a:endParaRPr lang="en-US" sz="2800" dirty="0"/>
+        </a:p>
+      </dgm:t>
+    </dgm:pt>
+    <dgm:pt modelId="{B2017CAF-D279-4C39-BEAA-269CF5A96ABF}" type="sibTrans" cxnId="{03A48FD7-7802-4559-A384-5D29EF2AE474}">
+      <dgm:prSet/>
+      <dgm:spPr/>
+      <dgm:t>
+        <a:bodyPr/>
+        <a:lstStyle/>
+        <a:p>
+          <a:endParaRPr lang="en-US"/>
+        </a:p>
+      </dgm:t>
+    </dgm:pt>
+    <dgm:pt modelId="{DF1FA482-9770-4793-8CC9-18A332C47786}" type="parTrans" cxnId="{03A48FD7-7802-4559-A384-5D29EF2AE474}">
+      <dgm:prSet/>
+      <dgm:spPr/>
+      <dgm:t>
+        <a:bodyPr/>
+        <a:lstStyle/>
+        <a:p>
+          <a:endParaRPr lang="en-US"/>
+        </a:p>
+      </dgm:t>
+    </dgm:pt>
     <dgm:pt modelId="{275DA783-780B-4FB2-A9D5-18787077516A}" type="pres">
       <dgm:prSet presAssocID="{04E5548C-E8D1-4392-9758-0AC758A0301A}" presName="diagram" presStyleCnt="0">
         <dgm:presLayoutVars>
@@ -1676,7 +2012,7 @@
       <dgm:spPr/>
     </dgm:pt>
     <dgm:pt modelId="{A526FB48-ECC5-4EB6-BBF3-BFFC0EE545D7}" type="pres">
-      <dgm:prSet presAssocID="{F9988DA2-6569-4571-95A3-CD5011982028}" presName="node" presStyleLbl="node1" presStyleIdx="0" presStyleCnt="2">
+      <dgm:prSet presAssocID="{F9988DA2-6569-4571-95A3-CD5011982028}" presName="node" presStyleLbl="node1" presStyleIdx="0" presStyleCnt="2" custLinFactX="10650" custLinFactY="-9986" custLinFactNeighborX="100000" custLinFactNeighborY="-100000">
         <dgm:presLayoutVars>
           <dgm:bulletEnabled val="1"/>
         </dgm:presLayoutVars>
@@ -1688,7 +2024,7 @@
       <dgm:spPr/>
     </dgm:pt>
     <dgm:pt modelId="{441D5239-F4E1-41EE-9D4F-96ED9321A0B6}" type="pres">
-      <dgm:prSet presAssocID="{F2180F54-A449-4109-88B5-5A675610807A}" presName="node" presStyleLbl="node1" presStyleIdx="1" presStyleCnt="2">
+      <dgm:prSet presAssocID="{F2180F54-A449-4109-88B5-5A675610807A}" presName="node" presStyleLbl="node1" presStyleIdx="1" presStyleCnt="2" custLinFactNeighborX="3385" custLinFactNeighborY="-1271">
         <dgm:presLayoutVars>
           <dgm:bulletEnabled val="1"/>
         </dgm:presLayoutVars>
@@ -1697,14 +2033,14 @@
     </dgm:pt>
   </dgm:ptLst>
   <dgm:cxnLst>
-    <dgm:cxn modelId="{D34B1813-E32E-46BD-8C49-551F332A97EF}" type="presOf" srcId="{04E5548C-E8D1-4392-9758-0AC758A0301A}" destId="{275DA783-780B-4FB2-A9D5-18787077516A}" srcOrd="0" destOrd="0" presId="urn:microsoft.com/office/officeart/2005/8/layout/default"/>
-    <dgm:cxn modelId="{B5630621-EFA2-453B-A0C1-1B33C139978D}" type="presOf" srcId="{F2180F54-A449-4109-88B5-5A675610807A}" destId="{441D5239-F4E1-41EE-9D4F-96ED9321A0B6}" srcOrd="0" destOrd="0" presId="urn:microsoft.com/office/officeart/2005/8/layout/default"/>
-    <dgm:cxn modelId="{B08E0A96-4FAD-40F0-8E14-82349A6A7B02}" type="presOf" srcId="{F9988DA2-6569-4571-95A3-CD5011982028}" destId="{A526FB48-ECC5-4EB6-BBF3-BFFC0EE545D7}" srcOrd="0" destOrd="0" presId="urn:microsoft.com/office/officeart/2005/8/layout/default"/>
+    <dgm:cxn modelId="{AA32606B-93E1-42D6-8454-3C613DA87391}" type="presOf" srcId="{F2180F54-A449-4109-88B5-5A675610807A}" destId="{441D5239-F4E1-41EE-9D4F-96ED9321A0B6}" srcOrd="0" destOrd="0" presId="urn:microsoft.com/office/officeart/2005/8/layout/default"/>
+    <dgm:cxn modelId="{68C78971-0168-4424-B9C3-3AAE37F31107}" type="presOf" srcId="{F9988DA2-6569-4571-95A3-CD5011982028}" destId="{A526FB48-ECC5-4EB6-BBF3-BFFC0EE545D7}" srcOrd="0" destOrd="0" presId="urn:microsoft.com/office/officeart/2005/8/layout/default"/>
+    <dgm:cxn modelId="{EF44E399-8B17-46FB-8696-68399BB60926}" type="presOf" srcId="{04E5548C-E8D1-4392-9758-0AC758A0301A}" destId="{275DA783-780B-4FB2-A9D5-18787077516A}" srcOrd="0" destOrd="0" presId="urn:microsoft.com/office/officeart/2005/8/layout/default"/>
     <dgm:cxn modelId="{03A48FD7-7802-4559-A384-5D29EF2AE474}" srcId="{04E5548C-E8D1-4392-9758-0AC758A0301A}" destId="{F9988DA2-6569-4571-95A3-CD5011982028}" srcOrd="0" destOrd="0" parTransId="{DF1FA482-9770-4793-8CC9-18A332C47786}" sibTransId="{B2017CAF-D279-4C39-BEAA-269CF5A96ABF}"/>
     <dgm:cxn modelId="{A0B55ADA-7DDE-4BF5-B68B-C401A49611C9}" srcId="{04E5548C-E8D1-4392-9758-0AC758A0301A}" destId="{F2180F54-A449-4109-88B5-5A675610807A}" srcOrd="1" destOrd="0" parTransId="{06B5B239-D179-46E5-B86F-334E07C3A9A2}" sibTransId="{555F0D49-69BB-4AAF-AC1F-95993D30140B}"/>
-    <dgm:cxn modelId="{55655D84-612F-4D41-B61D-F8CA31EDAB43}" type="presParOf" srcId="{275DA783-780B-4FB2-A9D5-18787077516A}" destId="{A526FB48-ECC5-4EB6-BBF3-BFFC0EE545D7}" srcOrd="0" destOrd="0" presId="urn:microsoft.com/office/officeart/2005/8/layout/default"/>
-    <dgm:cxn modelId="{BD008BE1-EDF5-407B-8B96-52F9A3537CEA}" type="presParOf" srcId="{275DA783-780B-4FB2-A9D5-18787077516A}" destId="{71AB8C6D-3E72-4D28-9C05-FD81C6D08D19}" srcOrd="1" destOrd="0" presId="urn:microsoft.com/office/officeart/2005/8/layout/default"/>
-    <dgm:cxn modelId="{3A0160DD-2B2B-4C23-A4BE-BA53AC60FA4B}" type="presParOf" srcId="{275DA783-780B-4FB2-A9D5-18787077516A}" destId="{441D5239-F4E1-41EE-9D4F-96ED9321A0B6}" srcOrd="2" destOrd="0" presId="urn:microsoft.com/office/officeart/2005/8/layout/default"/>
+    <dgm:cxn modelId="{71BAFE53-802E-4AC1-90CD-A998A1E9CDAB}" type="presParOf" srcId="{275DA783-780B-4FB2-A9D5-18787077516A}" destId="{A526FB48-ECC5-4EB6-BBF3-BFFC0EE545D7}" srcOrd="0" destOrd="0" presId="urn:microsoft.com/office/officeart/2005/8/layout/default"/>
+    <dgm:cxn modelId="{F49BCFB8-78E8-49A1-8C42-662603EC349D}" type="presParOf" srcId="{275DA783-780B-4FB2-A9D5-18787077516A}" destId="{71AB8C6D-3E72-4D28-9C05-FD81C6D08D19}" srcOrd="1" destOrd="0" presId="urn:microsoft.com/office/officeart/2005/8/layout/default"/>
+    <dgm:cxn modelId="{A475406E-FB99-4F88-8A17-0FF84833D661}" type="presParOf" srcId="{275DA783-780B-4FB2-A9D5-18787077516A}" destId="{441D5239-F4E1-41EE-9D4F-96ED9321A0B6}" srcOrd="2" destOrd="0" presId="urn:microsoft.com/office/officeart/2005/8/layout/default"/>
   </dgm:cxnLst>
   <dgm:bg/>
   <dgm:whole/>
@@ -1731,8 +2067,8 @@
       </dsp:nvSpPr>
       <dsp:spPr>
         <a:xfrm>
-          <a:off x="1283" y="673807"/>
-          <a:ext cx="5006206" cy="3003723"/>
+          <a:off x="223111" y="0"/>
+          <a:ext cx="3930817" cy="2358490"/>
         </a:xfrm>
         <a:prstGeom prst="rect">
           <a:avLst/>
@@ -1825,8 +2161,8 @@
         </a:p>
       </dsp:txBody>
       <dsp:txXfrm>
-        <a:off x="1283" y="673807"/>
-        <a:ext cx="5006206" cy="3003723"/>
+        <a:off x="223111" y="0"/>
+        <a:ext cx="3930817" cy="2358490"/>
       </dsp:txXfrm>
     </dsp:sp>
     <dsp:sp modelId="{441D5239-F4E1-41EE-9D4F-96ED9321A0B6}">
@@ -1836,8 +2172,8 @@
       </dsp:nvSpPr>
       <dsp:spPr>
         <a:xfrm>
-          <a:off x="5508110" y="673807"/>
-          <a:ext cx="5006206" cy="3003723"/>
+          <a:off x="223111" y="2723705"/>
+          <a:ext cx="3930817" cy="2358490"/>
         </a:xfrm>
         <a:prstGeom prst="rect">
           <a:avLst/>
@@ -2011,8 +2347,8 @@
         </a:p>
       </dsp:txBody>
       <dsp:txXfrm>
-        <a:off x="5508110" y="673807"/>
-        <a:ext cx="5006206" cy="3003723"/>
+        <a:off x="223111" y="2723705"/>
+        <a:ext cx="3930817" cy="2358490"/>
       </dsp:txXfrm>
     </dsp:sp>
   </dsp:spTree>
@@ -4121,11 +4457,11 @@
               <a:t>(1000</a:t>
             </a:r>
             <a:r>
-              <a:rPr lang="zh-TW" altLang="en-US"/>
+              <a:rPr lang="zh-TW" altLang="en-US" dirty="0"/>
               <a:t>批量大小進行測試</a:t>
             </a:r>
             <a:r>
-              <a:rPr lang="en-US" altLang="zh-TW"/>
+              <a:rPr lang="en-US" altLang="zh-TW" dirty="0"/>
               <a:t>)</a:t>
             </a:r>
             <a:endParaRPr lang="zh-TW" altLang="en-US" dirty="0"/>
@@ -9097,14 +9433,14 @@
             <p:ph idx="1"/>
             <p:extLst>
               <p:ext uri="{D42A27DB-BD31-4B8C-83A1-F6EECF244321}">
-                <p14:modId xmlns:p14="http://schemas.microsoft.com/office/powerpoint/2010/main" val="2497649334"/>
+                <p14:modId xmlns:p14="http://schemas.microsoft.com/office/powerpoint/2010/main" val="4088011446"/>
               </p:ext>
             </p:extLst>
           </p:nvPr>
         </p:nvGraphicFramePr>
         <p:xfrm>
-          <a:off x="838200" y="1825625"/>
-          <a:ext cx="10515600" cy="4351338"/>
+          <a:off x="7135632" y="1080211"/>
+          <a:ext cx="4153929" cy="5114282"/>
         </p:xfrm>
         <a:graphic>
           <a:graphicData uri="http://schemas.openxmlformats.org/drawingml/2006/diagram">
@@ -9112,6 +9448,150 @@
           </a:graphicData>
         </a:graphic>
       </p:graphicFrame>
+      <p:pic>
+        <p:nvPicPr>
+          <p:cNvPr id="7" name="Picture 3">
+            <a:extLst>
+              <a:ext uri="{FF2B5EF4-FFF2-40B4-BE49-F238E27FC236}">
+                <a16:creationId xmlns:a16="http://schemas.microsoft.com/office/drawing/2014/main" id="{8204565C-F784-8A16-16DF-3CBCC20F4111}"/>
+              </a:ext>
+            </a:extLst>
+          </p:cNvPr>
+          <p:cNvPicPr>
+            <a:picLocks noChangeAspect="1" noChangeArrowheads="1"/>
+          </p:cNvPicPr>
+          <p:nvPr/>
+        </p:nvPicPr>
+        <p:blipFill>
+          <a:blip r:embed="rId7">
+            <a:extLst>
+              <a:ext uri="{28A0092B-C50C-407E-A947-70E740481C1C}">
+                <a14:useLocalDpi xmlns:a14="http://schemas.microsoft.com/office/drawing/2010/main" val="0"/>
+              </a:ext>
+            </a:extLst>
+          </a:blip>
+          <a:srcRect/>
+          <a:stretch>
+            <a:fillRect/>
+          </a:stretch>
+        </p:blipFill>
+        <p:spPr bwMode="auto">
+          <a:xfrm>
+            <a:off x="670705" y="1779968"/>
+            <a:ext cx="5486410" cy="4011231"/>
+          </a:xfrm>
+          <a:prstGeom prst="rect">
+            <a:avLst/>
+          </a:prstGeom>
+          <a:noFill/>
+          <a:extLst>
+            <a:ext uri="{909E8E84-426E-40DD-AFC4-6F175D3DCCD1}">
+              <a14:hiddenFill xmlns:a14="http://schemas.microsoft.com/office/drawing/2010/main">
+                <a:solidFill>
+                  <a:srgbClr val="FFFFFF"/>
+                </a:solidFill>
+              </a14:hiddenFill>
+            </a:ext>
+          </a:extLst>
+        </p:spPr>
+      </p:pic>
+      <p:sp>
+        <p:nvSpPr>
+          <p:cNvPr id="8" name="文字方塊 7">
+            <a:extLst>
+              <a:ext uri="{FF2B5EF4-FFF2-40B4-BE49-F238E27FC236}">
+                <a16:creationId xmlns:a16="http://schemas.microsoft.com/office/drawing/2014/main" id="{BAC94732-BD8D-7FB1-4865-E118A5517902}"/>
+              </a:ext>
+            </a:extLst>
+          </p:cNvPr>
+          <p:cNvSpPr txBox="1"/>
+          <p:nvPr/>
+        </p:nvSpPr>
+        <p:spPr>
+          <a:xfrm>
+            <a:off x="4555525" y="4514336"/>
+            <a:ext cx="1400432" cy="1029729"/>
+          </a:xfrm>
+          <a:prstGeom prst="rect">
+            <a:avLst/>
+          </a:prstGeom>
+          <a:noFill/>
+          <a:ln w="28575">
+            <a:solidFill>
+              <a:srgbClr val="FF0000"/>
+            </a:solidFill>
+          </a:ln>
+        </p:spPr>
+        <p:txBody>
+          <a:bodyPr wrap="square" rtlCol="0">
+            <a:spAutoFit/>
+          </a:bodyPr>
+          <a:lstStyle/>
+          <a:p>
+            <a:endParaRPr lang="zh-TW" altLang="en-US" dirty="0"/>
+          </a:p>
+        </p:txBody>
+      </p:sp>
+      <p:sp>
+        <p:nvSpPr>
+          <p:cNvPr id="10" name="文字方塊 9">
+            <a:extLst>
+              <a:ext uri="{FF2B5EF4-FFF2-40B4-BE49-F238E27FC236}">
+                <a16:creationId xmlns:a16="http://schemas.microsoft.com/office/drawing/2014/main" id="{EEE0CEDF-5C92-F2C0-4C09-9E8F454AD4A0}"/>
+              </a:ext>
+            </a:extLst>
+          </p:cNvPr>
+          <p:cNvSpPr txBox="1"/>
+          <p:nvPr/>
+        </p:nvSpPr>
+        <p:spPr>
+          <a:xfrm>
+            <a:off x="2511867" y="5955267"/>
+            <a:ext cx="1804086" cy="369332"/>
+          </a:xfrm>
+          <a:prstGeom prst="rect">
+            <a:avLst/>
+          </a:prstGeom>
+          <a:noFill/>
+        </p:spPr>
+        <p:txBody>
+          <a:bodyPr wrap="square" rtlCol="0">
+            <a:spAutoFit/>
+          </a:bodyPr>
+          <a:lstStyle/>
+          <a:p>
+            <a:r>
+              <a:rPr lang="zh-TW" altLang="en-US" dirty="0">
+                <a:latin typeface="標楷體" panose="03000509000000000000" pitchFamily="65" charset="-120"/>
+                <a:ea typeface="標楷體" panose="03000509000000000000" pitchFamily="65" charset="-120"/>
+              </a:rPr>
+              <a:t>圖</a:t>
+            </a:r>
+            <a:r>
+              <a:rPr lang="en-US" altLang="zh-TW" dirty="0">
+                <a:latin typeface="標楷體" panose="03000509000000000000" pitchFamily="65" charset="-120"/>
+                <a:ea typeface="標楷體" panose="03000509000000000000" pitchFamily="65" charset="-120"/>
+              </a:rPr>
+              <a:t>1 </a:t>
+            </a:r>
+            <a:r>
+              <a:rPr lang="en-US" altLang="zh-TW" dirty="0">
+                <a:latin typeface="Times New Roman" panose="02020603050405020304" pitchFamily="18" charset="0"/>
+                <a:ea typeface="標楷體" panose="03000509000000000000" pitchFamily="65" charset="-120"/>
+                <a:cs typeface="Times New Roman" panose="02020603050405020304" pitchFamily="18" charset="0"/>
+              </a:rPr>
+              <a:t>Model </a:t>
+            </a:r>
+            <a:r>
+              <a:rPr lang="zh-TW" altLang="en-US" dirty="0">
+                <a:latin typeface="標楷體" panose="03000509000000000000" pitchFamily="65" charset="-120"/>
+                <a:ea typeface="標楷體" panose="03000509000000000000" pitchFamily="65" charset="-120"/>
+              </a:rPr>
+              <a:t>架構</a:t>
+            </a:r>
+          </a:p>
+        </p:txBody>
+      </p:sp>
     </p:spTree>
     <p:extLst>
       <p:ext uri="{BB962C8B-B14F-4D97-AF65-F5344CB8AC3E}">
@@ -10064,7 +10544,7 @@
         </p:blipFill>
         <p:spPr bwMode="auto">
           <a:xfrm>
-            <a:off x="1657529" y="3023434"/>
+            <a:off x="1805810" y="2680078"/>
             <a:ext cx="8907001" cy="3291419"/>
           </a:xfrm>
           <a:prstGeom prst="rect">
@@ -10242,6 +10722,58 @@
           </p:txBody>
         </p:sp>
       </p:grpSp>
+      <p:sp>
+        <p:nvSpPr>
+          <p:cNvPr id="4" name="文字方塊 3">
+            <a:extLst>
+              <a:ext uri="{FF2B5EF4-FFF2-40B4-BE49-F238E27FC236}">
+                <a16:creationId xmlns:a16="http://schemas.microsoft.com/office/drawing/2014/main" id="{454357CA-8ED2-63C2-0E58-0F65F4E345B5}"/>
+              </a:ext>
+            </a:extLst>
+          </p:cNvPr>
+          <p:cNvSpPr txBox="1"/>
+          <p:nvPr/>
+        </p:nvSpPr>
+        <p:spPr>
+          <a:xfrm>
+            <a:off x="4885038" y="6130187"/>
+            <a:ext cx="2421924" cy="369332"/>
+          </a:xfrm>
+          <a:prstGeom prst="rect">
+            <a:avLst/>
+          </a:prstGeom>
+          <a:noFill/>
+        </p:spPr>
+        <p:txBody>
+          <a:bodyPr wrap="square" rtlCol="0">
+            <a:spAutoFit/>
+          </a:bodyPr>
+          <a:lstStyle/>
+          <a:p>
+            <a:r>
+              <a:rPr lang="zh-TW" altLang="en-US" dirty="0">
+                <a:latin typeface="標楷體" panose="03000509000000000000" pitchFamily="65" charset="-120"/>
+                <a:ea typeface="標楷體" panose="03000509000000000000" pitchFamily="65" charset="-120"/>
+              </a:rPr>
+              <a:t>公式</a:t>
+            </a:r>
+            <a:r>
+              <a:rPr lang="en-US" altLang="zh-TW" dirty="0">
+                <a:latin typeface="標楷體" panose="03000509000000000000" pitchFamily="65" charset="-120"/>
+                <a:ea typeface="標楷體" panose="03000509000000000000" pitchFamily="65" charset="-120"/>
+              </a:rPr>
+              <a:t>1</a:t>
+            </a:r>
+            <a:r>
+              <a:rPr lang="zh-TW" altLang="en-US" dirty="0">
+                <a:latin typeface="標楷體" panose="03000509000000000000" pitchFamily="65" charset="-120"/>
+                <a:ea typeface="標楷體" panose="03000509000000000000" pitchFamily="65" charset="-120"/>
+              </a:rPr>
+              <a:t>貝爾曼方程式</a:t>
+            </a:r>
+          </a:p>
+        </p:txBody>
+      </p:sp>
     </p:spTree>
     <p:extLst>
       <p:ext uri="{BB962C8B-B14F-4D97-AF65-F5344CB8AC3E}">
@@ -11452,8 +11984,8 @@
         </p:nvSpPr>
         <p:spPr>
           <a:xfrm>
-            <a:off x="2696964" y="6278487"/>
-            <a:ext cx="1014060" cy="369332"/>
+            <a:off x="2513611" y="6262806"/>
+            <a:ext cx="1380766" cy="369332"/>
           </a:xfrm>
           <a:prstGeom prst="rect">
             <a:avLst/>
@@ -11468,7 +12000,15 @@
           <a:p>
             <a:r>
               <a:rPr lang="zh-TW" altLang="en-US" dirty="0"/>
-              <a:t>版本一</a:t>
+              <a:t>圖</a:t>
+            </a:r>
+            <a:r>
+              <a:rPr lang="en-US" altLang="zh-TW" dirty="0"/>
+              <a:t>2</a:t>
+            </a:r>
+            <a:r>
+              <a:rPr lang="zh-TW" altLang="en-US" dirty="0"/>
+              <a:t> 版本一</a:t>
             </a:r>
           </a:p>
         </p:txBody>
@@ -11487,8 +12027,8 @@
         </p:nvSpPr>
         <p:spPr>
           <a:xfrm>
-            <a:off x="8974881" y="6278487"/>
-            <a:ext cx="1014060" cy="369332"/>
+            <a:off x="8256010" y="6278487"/>
+            <a:ext cx="1668405" cy="369332"/>
           </a:xfrm>
           <a:prstGeom prst="rect">
             <a:avLst/>
@@ -11503,7 +12043,15 @@
           <a:p>
             <a:r>
               <a:rPr lang="zh-TW" altLang="en-US" dirty="0"/>
-              <a:t>版本二</a:t>
+              <a:t>圖</a:t>
+            </a:r>
+            <a:r>
+              <a:rPr lang="en-US" altLang="zh-TW" dirty="0"/>
+              <a:t>2-1</a:t>
+            </a:r>
+            <a:r>
+              <a:rPr lang="zh-TW" altLang="en-US" dirty="0"/>
+              <a:t> 版本二</a:t>
             </a:r>
           </a:p>
         </p:txBody>
@@ -11512,6 +12060,1829 @@
     <p:extLst>
       <p:ext uri="{BB962C8B-B14F-4D97-AF65-F5344CB8AC3E}">
         <p14:creationId xmlns:p14="http://schemas.microsoft.com/office/powerpoint/2010/main" val="1547215336"/>
+      </p:ext>
+    </p:extLst>
+  </p:cSld>
+  <p:clrMapOvr>
+    <a:masterClrMapping/>
+  </p:clrMapOvr>
+</p:sld>
+</file>
+
+<file path=ppt/slides/slide7.xml><?xml version="1.0" encoding="utf-8"?>
+<p:sld xmlns:a="http://schemas.openxmlformats.org/drawingml/2006/main" xmlns:r="http://schemas.openxmlformats.org/officeDocument/2006/relationships" xmlns:p="http://schemas.openxmlformats.org/presentationml/2006/main">
+  <p:cSld>
+    <p:bg>
+      <p:bgPr>
+        <a:solidFill>
+          <a:schemeClr val="bg1"/>
+        </a:solidFill>
+        <a:effectLst/>
+      </p:bgPr>
+    </p:bg>
+    <p:spTree>
+      <p:nvGrpSpPr>
+        <p:cNvPr id="1" name=""/>
+        <p:cNvGrpSpPr/>
+        <p:nvPr/>
+      </p:nvGrpSpPr>
+      <p:grpSpPr>
+        <a:xfrm>
+          <a:off x="0" y="0"/>
+          <a:ext cx="0" cy="0"/>
+          <a:chOff x="0" y="0"/>
+          <a:chExt cx="0" cy="0"/>
+        </a:xfrm>
+      </p:grpSpPr>
+      <p:sp>
+        <p:nvSpPr>
+          <p:cNvPr id="9" name="Rectangle 7">
+            <a:extLst>
+              <a:ext uri="{FF2B5EF4-FFF2-40B4-BE49-F238E27FC236}">
+                <a16:creationId xmlns:a16="http://schemas.microsoft.com/office/drawing/2014/main" id="{2B566528-1B12-4246-9431-5C2D7D081168}"/>
+              </a:ext>
+              <a:ext uri="{C183D7F6-B498-43B3-948B-1728B52AA6E4}">
+                <adec:decorative xmlns:adec="http://schemas.microsoft.com/office/drawing/2017/decorative" val="1"/>
+              </a:ext>
+            </a:extLst>
+          </p:cNvPr>
+          <p:cNvSpPr>
+            <a:spLocks noGrp="1" noRot="1" noChangeAspect="1" noMove="1" noResize="1" noEditPoints="1" noAdjustHandles="1" noChangeArrowheads="1" noChangeShapeType="1" noTextEdit="1"/>
+          </p:cNvSpPr>
+          <p:nvPr>
+            <p:extLst>
+              <p:ext uri="{386F3935-93C4-4BCD-93E2-E3B085C9AB24}">
+                <p16:designElem xmlns:p16="http://schemas.microsoft.com/office/powerpoint/2015/main" val="1"/>
+              </p:ext>
+            </p:extLst>
+          </p:nvPr>
+        </p:nvSpPr>
+        <p:spPr>
+          <a:xfrm>
+            <a:off x="0" y="0"/>
+            <a:ext cx="12192000" cy="6858000"/>
+          </a:xfrm>
+          <a:prstGeom prst="rect">
+            <a:avLst/>
+          </a:prstGeom>
+          <a:solidFill>
+            <a:schemeClr val="bg1"/>
+          </a:solidFill>
+          <a:ln>
+            <a:noFill/>
+          </a:ln>
+        </p:spPr>
+        <p:style>
+          <a:lnRef idx="2">
+            <a:schemeClr val="accent1">
+              <a:shade val="50000"/>
+            </a:schemeClr>
+          </a:lnRef>
+          <a:fillRef idx="1">
+            <a:schemeClr val="accent1"/>
+          </a:fillRef>
+          <a:effectRef idx="0">
+            <a:schemeClr val="accent1"/>
+          </a:effectRef>
+          <a:fontRef idx="minor">
+            <a:schemeClr val="lt1"/>
+          </a:fontRef>
+        </p:style>
+        <p:txBody>
+          <a:bodyPr rtlCol="0" anchor="ctr"/>
+          <a:lstStyle/>
+          <a:p>
+            <a:pPr algn="ctr"/>
+            <a:endParaRPr lang="en-US" dirty="0"/>
+          </a:p>
+        </p:txBody>
+      </p:sp>
+      <p:sp>
+        <p:nvSpPr>
+          <p:cNvPr id="2" name="標題 1">
+            <a:extLst>
+              <a:ext uri="{FF2B5EF4-FFF2-40B4-BE49-F238E27FC236}">
+                <a16:creationId xmlns:a16="http://schemas.microsoft.com/office/drawing/2014/main" id="{6274F840-E703-01CB-862D-131C36B1CA5F}"/>
+              </a:ext>
+            </a:extLst>
+          </p:cNvPr>
+          <p:cNvSpPr>
+            <a:spLocks noGrp="1"/>
+          </p:cNvSpPr>
+          <p:nvPr>
+            <p:ph type="title"/>
+          </p:nvPr>
+        </p:nvSpPr>
+        <p:spPr>
+          <a:xfrm>
+            <a:off x="643467" y="321734"/>
+            <a:ext cx="10905066" cy="1135737"/>
+          </a:xfrm>
+        </p:spPr>
+        <p:txBody>
+          <a:bodyPr>
+            <a:normAutofit/>
+          </a:bodyPr>
+          <a:lstStyle/>
+          <a:p>
+            <a:r>
+              <a:rPr lang="zh-TW" altLang="en-US" sz="3600" dirty="0">
+                <a:latin typeface="標楷體" panose="03000509000000000000" pitchFamily="65" charset="-120"/>
+                <a:ea typeface="標楷體" panose="03000509000000000000" pitchFamily="65" charset="-120"/>
+              </a:rPr>
+              <a:t>參考連結</a:t>
+            </a:r>
+          </a:p>
+        </p:txBody>
+      </p:sp>
+      <p:sp>
+        <p:nvSpPr>
+          <p:cNvPr id="3" name="內容版面配置區 2">
+            <a:extLst>
+              <a:ext uri="{FF2B5EF4-FFF2-40B4-BE49-F238E27FC236}">
+                <a16:creationId xmlns:a16="http://schemas.microsoft.com/office/drawing/2014/main" id="{CAAD97A0-A628-DE08-D02A-3AE0F968EBC1}"/>
+              </a:ext>
+            </a:extLst>
+          </p:cNvPr>
+          <p:cNvSpPr>
+            <a:spLocks noGrp="1"/>
+          </p:cNvSpPr>
+          <p:nvPr>
+            <p:ph idx="1"/>
+          </p:nvPr>
+        </p:nvSpPr>
+        <p:spPr>
+          <a:xfrm>
+            <a:off x="643467" y="1782981"/>
+            <a:ext cx="10905066" cy="4393982"/>
+          </a:xfrm>
+        </p:spPr>
+        <p:txBody>
+          <a:bodyPr>
+            <a:normAutofit/>
+          </a:bodyPr>
+          <a:lstStyle/>
+          <a:p>
+            <a:r>
+              <a:rPr lang="en-US" altLang="zh-TW" dirty="0">
+                <a:hlinkClick r:id="rId2"/>
+              </a:rPr>
+              <a:t>https://juejin.cn/post/6989535631982477348</a:t>
+            </a:r>
+            <a:endParaRPr lang="en-US" altLang="zh-TW" dirty="0"/>
+          </a:p>
+          <a:p>
+            <a:pPr marL="0" indent="0">
+              <a:buNone/>
+            </a:pPr>
+            <a:r>
+              <a:rPr lang="zh-TW" altLang="en-US" b="1" i="0" dirty="0">
+                <a:effectLst/>
+                <a:latin typeface="-apple-system"/>
+              </a:rPr>
+              <a:t>   </a:t>
+            </a:r>
+            <a:r>
+              <a:rPr lang="zh-TW" altLang="en-US" i="0" dirty="0">
+                <a:effectLst/>
+                <a:latin typeface="-apple-system"/>
+              </a:rPr>
+              <a:t>使用深度</a:t>
+            </a:r>
+            <a:r>
+              <a:rPr lang="en-US" altLang="zh-TW" i="0" dirty="0">
+                <a:effectLst/>
+                <a:latin typeface="Times New Roman" panose="02020603050405020304" pitchFamily="18" charset="0"/>
+                <a:cs typeface="Times New Roman" panose="02020603050405020304" pitchFamily="18" charset="0"/>
+              </a:rPr>
+              <a:t>Q</a:t>
+            </a:r>
+            <a:r>
+              <a:rPr lang="en-US" altLang="zh-TW" i="0" dirty="0">
+                <a:effectLst/>
+                <a:latin typeface="-apple-system"/>
+              </a:rPr>
+              <a:t> </a:t>
+            </a:r>
+            <a:r>
+              <a:rPr lang="zh-TW" altLang="en-US" i="0" dirty="0">
+                <a:effectLst/>
+                <a:latin typeface="-apple-system"/>
+              </a:rPr>
+              <a:t>學習的</a:t>
+            </a:r>
+            <a:r>
+              <a:rPr lang="en-US" altLang="zh-TW" i="0" dirty="0">
+                <a:effectLst/>
+                <a:latin typeface="Times New Roman" panose="02020603050405020304" pitchFamily="18" charset="0"/>
+                <a:cs typeface="Times New Roman" panose="02020603050405020304" pitchFamily="18" charset="0"/>
+              </a:rPr>
+              <a:t>AI </a:t>
+            </a:r>
+            <a:r>
+              <a:rPr lang="zh-TW" altLang="en-US" i="0" dirty="0">
+                <a:effectLst/>
+                <a:latin typeface="-apple-system"/>
+              </a:rPr>
+              <a:t>驅動蛇遊戲｜</a:t>
+            </a:r>
+            <a:r>
+              <a:rPr lang="en-US" altLang="zh-TW" i="0" dirty="0">
+                <a:effectLst/>
+                <a:latin typeface="Times New Roman" panose="02020603050405020304" pitchFamily="18" charset="0"/>
+                <a:cs typeface="Times New Roman" panose="02020603050405020304" pitchFamily="18" charset="0"/>
+              </a:rPr>
+              <a:t>Python</a:t>
+            </a:r>
+            <a:r>
+              <a:rPr lang="en-US" altLang="zh-TW" i="0" dirty="0">
+                <a:effectLst/>
+                <a:latin typeface="-apple-system"/>
+              </a:rPr>
+              <a:t> </a:t>
+            </a:r>
+            <a:r>
+              <a:rPr lang="zh-TW" altLang="en-US" i="0" dirty="0">
+                <a:effectLst/>
+                <a:latin typeface="-apple-system"/>
+              </a:rPr>
+              <a:t>主題月</a:t>
+            </a:r>
+          </a:p>
+          <a:p>
+            <a:endParaRPr lang="en-US" altLang="zh-TW" dirty="0"/>
+          </a:p>
+          <a:p>
+            <a:r>
+              <a:rPr lang="en-US" altLang="zh-TW" dirty="0">
+                <a:hlinkClick r:id="rId3"/>
+              </a:rPr>
+              <a:t>https://github.com/wanghao221/SnakeGameAI</a:t>
+            </a:r>
+            <a:endParaRPr lang="en-US" altLang="zh-TW" dirty="0"/>
+          </a:p>
+          <a:p>
+            <a:pPr marL="0" indent="0">
+              <a:buNone/>
+            </a:pPr>
+            <a:r>
+              <a:rPr lang="zh-TW" altLang="en-US" dirty="0"/>
+              <a:t>   </a:t>
+            </a:r>
+            <a:r>
+              <a:rPr lang="zh-TW" altLang="en-US" dirty="0">
+                <a:latin typeface="標楷體" panose="03000509000000000000" pitchFamily="65" charset="-120"/>
+                <a:ea typeface="標楷體" panose="03000509000000000000" pitchFamily="65" charset="-120"/>
+              </a:rPr>
+              <a:t>作者 </a:t>
+            </a:r>
+            <a:r>
+              <a:rPr lang="en-US" altLang="zh-TW" dirty="0" err="1">
+                <a:latin typeface="Times New Roman" panose="02020603050405020304" pitchFamily="18" charset="0"/>
+                <a:ea typeface="標楷體" panose="03000509000000000000" pitchFamily="65" charset="-120"/>
+                <a:cs typeface="Times New Roman" panose="02020603050405020304" pitchFamily="18" charset="0"/>
+              </a:rPr>
+              <a:t>Github</a:t>
+            </a:r>
+            <a:r>
+              <a:rPr lang="en-US" altLang="zh-TW" dirty="0">
+                <a:latin typeface="標楷體" panose="03000509000000000000" pitchFamily="65" charset="-120"/>
+                <a:ea typeface="標楷體" panose="03000509000000000000" pitchFamily="65" charset="-120"/>
+              </a:rPr>
+              <a:t> </a:t>
+            </a:r>
+            <a:r>
+              <a:rPr lang="zh-TW" altLang="en-US" dirty="0">
+                <a:latin typeface="標楷體" panose="03000509000000000000" pitchFamily="65" charset="-120"/>
+                <a:ea typeface="標楷體" panose="03000509000000000000" pitchFamily="65" charset="-120"/>
+              </a:rPr>
+              <a:t>連結</a:t>
+            </a:r>
+            <a:endParaRPr lang="en-US" altLang="zh-TW" dirty="0">
+              <a:latin typeface="標楷體" panose="03000509000000000000" pitchFamily="65" charset="-120"/>
+              <a:ea typeface="標楷體" panose="03000509000000000000" pitchFamily="65" charset="-120"/>
+            </a:endParaRPr>
+          </a:p>
+          <a:p>
+            <a:endParaRPr lang="en-US" altLang="zh-TW" sz="2000" dirty="0"/>
+          </a:p>
+          <a:p>
+            <a:pPr marL="0" indent="0">
+              <a:buNone/>
+            </a:pPr>
+            <a:endParaRPr lang="zh-TW" altLang="en-US" sz="2000" b="1" i="0" dirty="0">
+              <a:effectLst/>
+              <a:latin typeface="-apple-system"/>
+            </a:endParaRPr>
+          </a:p>
+          <a:p>
+            <a:endParaRPr lang="zh-TW" altLang="en-US" sz="2000" dirty="0"/>
+          </a:p>
+        </p:txBody>
+      </p:sp>
+      <p:sp>
+        <p:nvSpPr>
+          <p:cNvPr id="10" name="Rectangle 9">
+            <a:extLst>
+              <a:ext uri="{FF2B5EF4-FFF2-40B4-BE49-F238E27FC236}">
+                <a16:creationId xmlns:a16="http://schemas.microsoft.com/office/drawing/2014/main" id="{2E80C965-DB6D-4F81-9E9E-B027384D0BD6}"/>
+              </a:ext>
+              <a:ext uri="{C183D7F6-B498-43B3-948B-1728B52AA6E4}">
+                <adec:decorative xmlns:adec="http://schemas.microsoft.com/office/drawing/2017/decorative" val="1"/>
+              </a:ext>
+            </a:extLst>
+          </p:cNvPr>
+          <p:cNvSpPr>
+            <a:spLocks noGrp="1" noRot="1" noChangeAspect="1" noMove="1" noResize="1" noEditPoints="1" noAdjustHandles="1" noChangeArrowheads="1" noChangeShapeType="1" noTextEdit="1"/>
+          </p:cNvSpPr>
+          <p:nvPr>
+            <p:extLst>
+              <p:ext uri="{386F3935-93C4-4BCD-93E2-E3B085C9AB24}">
+                <p16:designElem xmlns:p16="http://schemas.microsoft.com/office/powerpoint/2015/main" val="1"/>
+              </p:ext>
+            </p:extLst>
+          </p:nvPr>
+        </p:nvSpPr>
+        <p:spPr>
+          <a:xfrm rot="2700000">
+            <a:off x="11052629" y="2120024"/>
+            <a:ext cx="645368" cy="645368"/>
+          </a:xfrm>
+          <a:prstGeom prst="rect">
+            <a:avLst/>
+          </a:prstGeom>
+          <a:solidFill>
+            <a:schemeClr val="accent4">
+              <a:alpha val="30000"/>
+            </a:schemeClr>
+          </a:solidFill>
+          <a:ln>
+            <a:noFill/>
+          </a:ln>
+        </p:spPr>
+        <p:style>
+          <a:lnRef idx="2">
+            <a:schemeClr val="accent1">
+              <a:shade val="50000"/>
+            </a:schemeClr>
+          </a:lnRef>
+          <a:fillRef idx="1">
+            <a:schemeClr val="accent1"/>
+          </a:fillRef>
+          <a:effectRef idx="0">
+            <a:schemeClr val="accent1"/>
+          </a:effectRef>
+          <a:fontRef idx="minor">
+            <a:schemeClr val="lt1"/>
+          </a:fontRef>
+        </p:style>
+        <p:txBody>
+          <a:bodyPr rtlCol="0" anchor="ctr"/>
+          <a:lstStyle/>
+          <a:p>
+            <a:pPr algn="ctr"/>
+            <a:endParaRPr lang="en-US"/>
+          </a:p>
+        </p:txBody>
+      </p:sp>
+      <p:sp>
+        <p:nvSpPr>
+          <p:cNvPr id="12" name="Isosceles Triangle 11">
+            <a:extLst>
+              <a:ext uri="{FF2B5EF4-FFF2-40B4-BE49-F238E27FC236}">
+                <a16:creationId xmlns:a16="http://schemas.microsoft.com/office/drawing/2014/main" id="{A580F890-B085-4E95-96AA-55AEBEC5CE6E}"/>
+              </a:ext>
+              <a:ext uri="{C183D7F6-B498-43B3-948B-1728B52AA6E4}">
+                <adec:decorative xmlns:adec="http://schemas.microsoft.com/office/drawing/2017/decorative" val="1"/>
+              </a:ext>
+            </a:extLst>
+          </p:cNvPr>
+          <p:cNvSpPr>
+            <a:spLocks noGrp="1" noRot="1" noChangeAspect="1" noMove="1" noResize="1" noEditPoints="1" noAdjustHandles="1" noChangeArrowheads="1" noChangeShapeType="1" noTextEdit="1"/>
+          </p:cNvSpPr>
+          <p:nvPr>
+            <p:extLst>
+              <p:ext uri="{386F3935-93C4-4BCD-93E2-E3B085C9AB24}">
+                <p16:designElem xmlns:p16="http://schemas.microsoft.com/office/powerpoint/2015/main" val="1"/>
+              </p:ext>
+            </p:extLst>
+          </p:nvPr>
+        </p:nvSpPr>
+        <p:spPr>
+          <a:xfrm rot="16200000">
+            <a:off x="10289068" y="1343027"/>
+            <a:ext cx="2532832" cy="1273032"/>
+          </a:xfrm>
+          <a:prstGeom prst="triangle">
+            <a:avLst>
+              <a:gd name="adj" fmla="val 50000"/>
+            </a:avLst>
+          </a:prstGeom>
+          <a:solidFill>
+            <a:schemeClr val="accent4">
+              <a:alpha val="30000"/>
+            </a:schemeClr>
+          </a:solidFill>
+          <a:ln>
+            <a:noFill/>
+          </a:ln>
+        </p:spPr>
+        <p:style>
+          <a:lnRef idx="2">
+            <a:schemeClr val="accent1">
+              <a:shade val="50000"/>
+            </a:schemeClr>
+          </a:lnRef>
+          <a:fillRef idx="1">
+            <a:schemeClr val="accent1"/>
+          </a:fillRef>
+          <a:effectRef idx="0">
+            <a:schemeClr val="accent1"/>
+          </a:effectRef>
+          <a:fontRef idx="minor">
+            <a:schemeClr val="lt1"/>
+          </a:fontRef>
+        </p:style>
+        <p:txBody>
+          <a:bodyPr rtlCol="0" anchor="ctr"/>
+          <a:lstStyle/>
+          <a:p>
+            <a:pPr algn="ctr"/>
+            <a:endParaRPr lang="en-US"/>
+          </a:p>
+        </p:txBody>
+      </p:sp>
+      <p:sp>
+        <p:nvSpPr>
+          <p:cNvPr id="14" name="Isosceles Triangle 13">
+            <a:extLst>
+              <a:ext uri="{FF2B5EF4-FFF2-40B4-BE49-F238E27FC236}">
+                <a16:creationId xmlns:a16="http://schemas.microsoft.com/office/drawing/2014/main" id="{D3F51FEB-38FB-4F6C-9F7B-2F2AFAB65463}"/>
+              </a:ext>
+              <a:ext uri="{C183D7F6-B498-43B3-948B-1728B52AA6E4}">
+                <adec:decorative xmlns:adec="http://schemas.microsoft.com/office/drawing/2017/decorative" val="1"/>
+              </a:ext>
+            </a:extLst>
+          </p:cNvPr>
+          <p:cNvSpPr>
+            <a:spLocks noGrp="1" noRot="1" noChangeAspect="1" noMove="1" noResize="1" noEditPoints="1" noAdjustHandles="1" noChangeArrowheads="1" noChangeShapeType="1" noTextEdit="1"/>
+          </p:cNvSpPr>
+          <p:nvPr>
+            <p:extLst>
+              <p:ext uri="{386F3935-93C4-4BCD-93E2-E3B085C9AB24}">
+                <p16:designElem xmlns:p16="http://schemas.microsoft.com/office/powerpoint/2015/main" val="1"/>
+              </p:ext>
+            </p:extLst>
+          </p:nvPr>
+        </p:nvSpPr>
+        <p:spPr>
+          <a:xfrm rot="5400000">
+            <a:off x="-501760" y="5103257"/>
+            <a:ext cx="2017580" cy="1014060"/>
+          </a:xfrm>
+          <a:prstGeom prst="triangle">
+            <a:avLst>
+              <a:gd name="adj" fmla="val 50000"/>
+            </a:avLst>
+          </a:prstGeom>
+          <a:solidFill>
+            <a:schemeClr val="accent1">
+              <a:alpha val="30000"/>
+            </a:schemeClr>
+          </a:solidFill>
+          <a:ln>
+            <a:noFill/>
+          </a:ln>
+        </p:spPr>
+        <p:style>
+          <a:lnRef idx="2">
+            <a:schemeClr val="accent1">
+              <a:shade val="50000"/>
+            </a:schemeClr>
+          </a:lnRef>
+          <a:fillRef idx="1">
+            <a:schemeClr val="accent1"/>
+          </a:fillRef>
+          <a:effectRef idx="0">
+            <a:schemeClr val="accent1"/>
+          </a:effectRef>
+          <a:fontRef idx="minor">
+            <a:schemeClr val="lt1"/>
+          </a:fontRef>
+        </p:style>
+        <p:txBody>
+          <a:bodyPr wrap="square" rtlCol="0" anchor="ctr">
+            <a:noAutofit/>
+          </a:bodyPr>
+          <a:lstStyle/>
+          <a:p>
+            <a:pPr algn="ctr"/>
+            <a:endParaRPr lang="en-US"/>
+          </a:p>
+        </p:txBody>
+      </p:sp>
+      <p:sp>
+        <p:nvSpPr>
+          <p:cNvPr id="16" name="Rectangle 15">
+            <a:extLst>
+              <a:ext uri="{FF2B5EF4-FFF2-40B4-BE49-F238E27FC236}">
+                <a16:creationId xmlns:a16="http://schemas.microsoft.com/office/drawing/2014/main" id="{1E547BA6-BAE0-43BB-A7CA-60F69CE252F0}"/>
+              </a:ext>
+              <a:ext uri="{C183D7F6-B498-43B3-948B-1728B52AA6E4}">
+                <adec:decorative xmlns:adec="http://schemas.microsoft.com/office/drawing/2017/decorative" val="1"/>
+              </a:ext>
+            </a:extLst>
+          </p:cNvPr>
+          <p:cNvSpPr>
+            <a:spLocks noGrp="1" noRot="1" noChangeAspect="1" noMove="1" noResize="1" noEditPoints="1" noAdjustHandles="1" noChangeArrowheads="1" noChangeShapeType="1" noTextEdit="1"/>
+          </p:cNvSpPr>
+          <p:nvPr>
+            <p:extLst>
+              <p:ext uri="{386F3935-93C4-4BCD-93E2-E3B085C9AB24}">
+                <p16:designElem xmlns:p16="http://schemas.microsoft.com/office/powerpoint/2015/main" val="1"/>
+              </p:ext>
+            </p:extLst>
+          </p:nvPr>
+        </p:nvSpPr>
+        <p:spPr>
+          <a:xfrm rot="2700000">
+            <a:off x="427916" y="5728708"/>
+            <a:ext cx="485578" cy="485578"/>
+          </a:xfrm>
+          <a:prstGeom prst="rect">
+            <a:avLst/>
+          </a:prstGeom>
+          <a:solidFill>
+            <a:schemeClr val="accent1">
+              <a:alpha val="30000"/>
+            </a:schemeClr>
+          </a:solidFill>
+          <a:ln>
+            <a:noFill/>
+          </a:ln>
+        </p:spPr>
+        <p:style>
+          <a:lnRef idx="2">
+            <a:schemeClr val="accent1">
+              <a:shade val="50000"/>
+            </a:schemeClr>
+          </a:lnRef>
+          <a:fillRef idx="1">
+            <a:schemeClr val="accent1"/>
+          </a:fillRef>
+          <a:effectRef idx="0">
+            <a:schemeClr val="accent1"/>
+          </a:effectRef>
+          <a:fontRef idx="minor">
+            <a:schemeClr val="lt1"/>
+          </a:fontRef>
+        </p:style>
+        <p:txBody>
+          <a:bodyPr wrap="square" rtlCol="0" anchor="ctr">
+            <a:noAutofit/>
+          </a:bodyPr>
+          <a:lstStyle/>
+          <a:p>
+            <a:pPr algn="ctr"/>
+            <a:endParaRPr lang="en-US"/>
+          </a:p>
+        </p:txBody>
+      </p:sp>
+    </p:spTree>
+    <p:extLst>
+      <p:ext uri="{BB962C8B-B14F-4D97-AF65-F5344CB8AC3E}">
+        <p14:creationId xmlns:p14="http://schemas.microsoft.com/office/powerpoint/2010/main" val="1176478317"/>
+      </p:ext>
+    </p:extLst>
+  </p:cSld>
+  <p:clrMapOvr>
+    <a:masterClrMapping/>
+  </p:clrMapOvr>
+</p:sld>
+</file>
+
+<file path=ppt/slides/slide8.xml><?xml version="1.0" encoding="utf-8"?>
+<p:sld xmlns:a="http://schemas.openxmlformats.org/drawingml/2006/main" xmlns:r="http://schemas.openxmlformats.org/officeDocument/2006/relationships" xmlns:p="http://schemas.openxmlformats.org/presentationml/2006/main">
+  <p:cSld>
+    <p:bg>
+      <p:bgPr>
+        <a:solidFill>
+          <a:schemeClr val="bg1"/>
+        </a:solidFill>
+        <a:effectLst/>
+      </p:bgPr>
+    </p:bg>
+    <p:spTree>
+      <p:nvGrpSpPr>
+        <p:cNvPr id="1" name=""/>
+        <p:cNvGrpSpPr/>
+        <p:nvPr/>
+      </p:nvGrpSpPr>
+      <p:grpSpPr>
+        <a:xfrm>
+          <a:off x="0" y="0"/>
+          <a:ext cx="0" cy="0"/>
+          <a:chOff x="0" y="0"/>
+          <a:chExt cx="0" cy="0"/>
+        </a:xfrm>
+      </p:grpSpPr>
+      <p:sp>
+        <p:nvSpPr>
+          <p:cNvPr id="8" name="Rectangle 7">
+            <a:extLst>
+              <a:ext uri="{FF2B5EF4-FFF2-40B4-BE49-F238E27FC236}">
+                <a16:creationId xmlns:a16="http://schemas.microsoft.com/office/drawing/2014/main" id="{88294908-8B00-4F58-BBBA-20F71A40AA9E}"/>
+              </a:ext>
+              <a:ext uri="{C183D7F6-B498-43B3-948B-1728B52AA6E4}">
+                <adec:decorative xmlns:adec="http://schemas.microsoft.com/office/drawing/2017/decorative" val="1"/>
+              </a:ext>
+            </a:extLst>
+          </p:cNvPr>
+          <p:cNvSpPr>
+            <a:spLocks noGrp="1" noRot="1" noChangeAspect="1" noMove="1" noResize="1" noEditPoints="1" noAdjustHandles="1" noChangeArrowheads="1" noChangeShapeType="1" noTextEdit="1"/>
+          </p:cNvSpPr>
+          <p:nvPr>
+            <p:extLst>
+              <p:ext uri="{386F3935-93C4-4BCD-93E2-E3B085C9AB24}">
+                <p16:designElem xmlns:p16="http://schemas.microsoft.com/office/powerpoint/2015/main" val="1"/>
+              </p:ext>
+            </p:extLst>
+          </p:nvPr>
+        </p:nvSpPr>
+        <p:spPr>
+          <a:xfrm>
+            <a:off x="0" y="0"/>
+            <a:ext cx="12192000" cy="6858000"/>
+          </a:xfrm>
+          <a:prstGeom prst="rect">
+            <a:avLst/>
+          </a:prstGeom>
+          <a:solidFill>
+            <a:schemeClr val="bg2"/>
+          </a:solidFill>
+          <a:ln>
+            <a:noFill/>
+          </a:ln>
+        </p:spPr>
+        <p:style>
+          <a:lnRef idx="2">
+            <a:schemeClr val="accent1">
+              <a:shade val="50000"/>
+            </a:schemeClr>
+          </a:lnRef>
+          <a:fillRef idx="1">
+            <a:schemeClr val="accent1"/>
+          </a:fillRef>
+          <a:effectRef idx="0">
+            <a:schemeClr val="accent1"/>
+          </a:effectRef>
+          <a:fontRef idx="minor">
+            <a:schemeClr val="lt1"/>
+          </a:fontRef>
+        </p:style>
+        <p:txBody>
+          <a:bodyPr rtlCol="0" anchor="ctr"/>
+          <a:lstStyle/>
+          <a:p>
+            <a:pPr algn="ctr"/>
+            <a:endParaRPr lang="en-US" dirty="0"/>
+          </a:p>
+        </p:txBody>
+      </p:sp>
+      <p:sp>
+        <p:nvSpPr>
+          <p:cNvPr id="10" name="Freeform: Shape 9">
+            <a:extLst>
+              <a:ext uri="{FF2B5EF4-FFF2-40B4-BE49-F238E27FC236}">
+                <a16:creationId xmlns:a16="http://schemas.microsoft.com/office/drawing/2014/main" id="{4364C879-1404-4203-8E9D-CC5DE0A621A2}"/>
+              </a:ext>
+              <a:ext uri="{C183D7F6-B498-43B3-948B-1728B52AA6E4}">
+                <adec:decorative xmlns:adec="http://schemas.microsoft.com/office/drawing/2017/decorative" val="1"/>
+              </a:ext>
+            </a:extLst>
+          </p:cNvPr>
+          <p:cNvSpPr>
+            <a:spLocks noGrp="1" noRot="1" noChangeAspect="1" noMove="1" noResize="1" noEditPoints="1" noAdjustHandles="1" noChangeArrowheads="1" noChangeShapeType="1" noTextEdit="1"/>
+          </p:cNvSpPr>
+          <p:nvPr>
+            <p:extLst>
+              <p:ext uri="{386F3935-93C4-4BCD-93E2-E3B085C9AB24}">
+                <p16:designElem xmlns:p16="http://schemas.microsoft.com/office/powerpoint/2015/main" val="1"/>
+              </p:ext>
+            </p:extLst>
+          </p:nvPr>
+        </p:nvSpPr>
+        <p:spPr>
+          <a:xfrm rot="2700000">
+            <a:off x="82782" y="-1386168"/>
+            <a:ext cx="2424873" cy="3611191"/>
+          </a:xfrm>
+          <a:custGeom>
+            <a:avLst/>
+            <a:gdLst>
+              <a:gd name="connsiteX0" fmla="*/ 0 w 2424873"/>
+              <a:gd name="connsiteY0" fmla="*/ 2424874 h 3611191"/>
+              <a:gd name="connsiteX1" fmla="*/ 2424873 w 2424873"/>
+              <a:gd name="connsiteY1" fmla="*/ 0 h 3611191"/>
+              <a:gd name="connsiteX2" fmla="*/ 2424873 w 2424873"/>
+              <a:gd name="connsiteY2" fmla="*/ 3611191 h 3611191"/>
+              <a:gd name="connsiteX3" fmla="*/ 1186317 w 2424873"/>
+              <a:gd name="connsiteY3" fmla="*/ 3611191 h 3611191"/>
+            </a:gdLst>
+            <a:ahLst/>
+            <a:cxnLst>
+              <a:cxn ang="0">
+                <a:pos x="connsiteX0" y="connsiteY0"/>
+              </a:cxn>
+              <a:cxn ang="0">
+                <a:pos x="connsiteX1" y="connsiteY1"/>
+              </a:cxn>
+              <a:cxn ang="0">
+                <a:pos x="connsiteX2" y="connsiteY2"/>
+              </a:cxn>
+              <a:cxn ang="0">
+                <a:pos x="connsiteX3" y="connsiteY3"/>
+              </a:cxn>
+            </a:cxnLst>
+            <a:rect l="l" t="t" r="r" b="b"/>
+            <a:pathLst>
+              <a:path w="2424873" h="3611191">
+                <a:moveTo>
+                  <a:pt x="0" y="2424874"/>
+                </a:moveTo>
+                <a:lnTo>
+                  <a:pt x="2424873" y="0"/>
+                </a:lnTo>
+                <a:lnTo>
+                  <a:pt x="2424873" y="3611191"/>
+                </a:lnTo>
+                <a:lnTo>
+                  <a:pt x="1186317" y="3611191"/>
+                </a:lnTo>
+                <a:close/>
+              </a:path>
+            </a:pathLst>
+          </a:custGeom>
+          <a:solidFill>
+            <a:schemeClr val="accent4">
+              <a:alpha val="40000"/>
+            </a:schemeClr>
+          </a:solidFill>
+          <a:ln>
+            <a:noFill/>
+          </a:ln>
+        </p:spPr>
+        <p:style>
+          <a:lnRef idx="2">
+            <a:schemeClr val="accent1">
+              <a:shade val="50000"/>
+            </a:schemeClr>
+          </a:lnRef>
+          <a:fillRef idx="1">
+            <a:schemeClr val="accent1"/>
+          </a:fillRef>
+          <a:effectRef idx="0">
+            <a:schemeClr val="accent1"/>
+          </a:effectRef>
+          <a:fontRef idx="minor">
+            <a:schemeClr val="lt1"/>
+          </a:fontRef>
+        </p:style>
+        <p:txBody>
+          <a:bodyPr wrap="square" rtlCol="0" anchor="ctr">
+            <a:noAutofit/>
+          </a:bodyPr>
+          <a:lstStyle/>
+          <a:p>
+            <a:pPr algn="ctr"/>
+            <a:endParaRPr lang="en-US"/>
+          </a:p>
+        </p:txBody>
+      </p:sp>
+      <p:sp>
+        <p:nvSpPr>
+          <p:cNvPr id="12" name="Freeform: Shape 11">
+            <a:extLst>
+              <a:ext uri="{FF2B5EF4-FFF2-40B4-BE49-F238E27FC236}">
+                <a16:creationId xmlns:a16="http://schemas.microsoft.com/office/drawing/2014/main" id="{84617302-4B0D-4351-A6BB-6F0930D943AC}"/>
+              </a:ext>
+              <a:ext uri="{C183D7F6-B498-43B3-948B-1728B52AA6E4}">
+                <adec:decorative xmlns:adec="http://schemas.microsoft.com/office/drawing/2017/decorative" val="1"/>
+              </a:ext>
+            </a:extLst>
+          </p:cNvPr>
+          <p:cNvSpPr>
+            <a:spLocks noGrp="1" noRot="1" noChangeAspect="1" noMove="1" noResize="1" noEditPoints="1" noAdjustHandles="1" noChangeArrowheads="1" noChangeShapeType="1" noTextEdit="1"/>
+          </p:cNvSpPr>
+          <p:nvPr>
+            <p:extLst>
+              <p:ext uri="{386F3935-93C4-4BCD-93E2-E3B085C9AB24}">
+                <p16:designElem xmlns:p16="http://schemas.microsoft.com/office/powerpoint/2015/main" val="1"/>
+              </p:ext>
+            </p:extLst>
+          </p:nvPr>
+        </p:nvSpPr>
+        <p:spPr>
+          <a:xfrm rot="2700000">
+            <a:off x="1571000" y="-338582"/>
+            <a:ext cx="1635955" cy="1635955"/>
+          </a:xfrm>
+          <a:custGeom>
+            <a:avLst/>
+            <a:gdLst>
+              <a:gd name="connsiteX0" fmla="*/ 0 w 1635955"/>
+              <a:gd name="connsiteY0" fmla="*/ 957987 h 1635955"/>
+              <a:gd name="connsiteX1" fmla="*/ 957987 w 1635955"/>
+              <a:gd name="connsiteY1" fmla="*/ 0 h 1635955"/>
+              <a:gd name="connsiteX2" fmla="*/ 1635955 w 1635955"/>
+              <a:gd name="connsiteY2" fmla="*/ 0 h 1635955"/>
+              <a:gd name="connsiteX3" fmla="*/ 1635955 w 1635955"/>
+              <a:gd name="connsiteY3" fmla="*/ 1635955 h 1635955"/>
+              <a:gd name="connsiteX4" fmla="*/ 0 w 1635955"/>
+              <a:gd name="connsiteY4" fmla="*/ 1635955 h 1635955"/>
+            </a:gdLst>
+            <a:ahLst/>
+            <a:cxnLst>
+              <a:cxn ang="0">
+                <a:pos x="connsiteX0" y="connsiteY0"/>
+              </a:cxn>
+              <a:cxn ang="0">
+                <a:pos x="connsiteX1" y="connsiteY1"/>
+              </a:cxn>
+              <a:cxn ang="0">
+                <a:pos x="connsiteX2" y="connsiteY2"/>
+              </a:cxn>
+              <a:cxn ang="0">
+                <a:pos x="connsiteX3" y="connsiteY3"/>
+              </a:cxn>
+              <a:cxn ang="0">
+                <a:pos x="connsiteX4" y="connsiteY4"/>
+              </a:cxn>
+            </a:cxnLst>
+            <a:rect l="l" t="t" r="r" b="b"/>
+            <a:pathLst>
+              <a:path w="1635955" h="1635955">
+                <a:moveTo>
+                  <a:pt x="0" y="957987"/>
+                </a:moveTo>
+                <a:lnTo>
+                  <a:pt x="957987" y="0"/>
+                </a:lnTo>
+                <a:lnTo>
+                  <a:pt x="1635955" y="0"/>
+                </a:lnTo>
+                <a:lnTo>
+                  <a:pt x="1635955" y="1635955"/>
+                </a:lnTo>
+                <a:lnTo>
+                  <a:pt x="0" y="1635955"/>
+                </a:lnTo>
+                <a:close/>
+              </a:path>
+            </a:pathLst>
+          </a:custGeom>
+          <a:solidFill>
+            <a:schemeClr val="accent4">
+              <a:alpha val="40000"/>
+            </a:schemeClr>
+          </a:solidFill>
+          <a:ln>
+            <a:noFill/>
+          </a:ln>
+        </p:spPr>
+        <p:style>
+          <a:lnRef idx="2">
+            <a:schemeClr val="accent1">
+              <a:shade val="50000"/>
+            </a:schemeClr>
+          </a:lnRef>
+          <a:fillRef idx="1">
+            <a:schemeClr val="accent1"/>
+          </a:fillRef>
+          <a:effectRef idx="0">
+            <a:schemeClr val="accent1"/>
+          </a:effectRef>
+          <a:fontRef idx="minor">
+            <a:schemeClr val="lt1"/>
+          </a:fontRef>
+        </p:style>
+        <p:txBody>
+          <a:bodyPr wrap="square" rtlCol="0" anchor="ctr">
+            <a:noAutofit/>
+          </a:bodyPr>
+          <a:lstStyle/>
+          <a:p>
+            <a:pPr algn="ctr"/>
+            <a:endParaRPr lang="en-US"/>
+          </a:p>
+        </p:txBody>
+      </p:sp>
+      <p:sp>
+        <p:nvSpPr>
+          <p:cNvPr id="14" name="Freeform: Shape 13">
+            <a:extLst>
+              <a:ext uri="{FF2B5EF4-FFF2-40B4-BE49-F238E27FC236}">
+                <a16:creationId xmlns:a16="http://schemas.microsoft.com/office/drawing/2014/main" id="{DA2C7802-C2E0-4218-8F89-8DD7CCD2CD1C}"/>
+              </a:ext>
+              <a:ext uri="{C183D7F6-B498-43B3-948B-1728B52AA6E4}">
+                <adec:decorative xmlns:adec="http://schemas.microsoft.com/office/drawing/2017/decorative" val="1"/>
+              </a:ext>
+            </a:extLst>
+          </p:cNvPr>
+          <p:cNvSpPr>
+            <a:spLocks noGrp="1" noRot="1" noChangeAspect="1" noMove="1" noResize="1" noEditPoints="1" noAdjustHandles="1" noChangeArrowheads="1" noChangeShapeType="1" noTextEdit="1"/>
+          </p:cNvSpPr>
+          <p:nvPr>
+            <p:extLst>
+              <p:ext uri="{386F3935-93C4-4BCD-93E2-E3B085C9AB24}">
+                <p16:designElem xmlns:p16="http://schemas.microsoft.com/office/powerpoint/2015/main" val="1"/>
+              </p:ext>
+            </p:extLst>
+          </p:nvPr>
+        </p:nvSpPr>
+        <p:spPr>
+          <a:xfrm rot="2700000">
+            <a:off x="9627985" y="-6588"/>
+            <a:ext cx="4059393" cy="2548110"/>
+          </a:xfrm>
+          <a:custGeom>
+            <a:avLst/>
+            <a:gdLst>
+              <a:gd name="connsiteX0" fmla="*/ 0 w 4059393"/>
+              <a:gd name="connsiteY0" fmla="*/ 1511282 h 2548110"/>
+              <a:gd name="connsiteX1" fmla="*/ 1511282 w 4059393"/>
+              <a:gd name="connsiteY1" fmla="*/ 0 h 2548110"/>
+              <a:gd name="connsiteX2" fmla="*/ 4059393 w 4059393"/>
+              <a:gd name="connsiteY2" fmla="*/ 2548110 h 2548110"/>
+              <a:gd name="connsiteX3" fmla="*/ 0 w 4059393"/>
+              <a:gd name="connsiteY3" fmla="*/ 2548110 h 2548110"/>
+            </a:gdLst>
+            <a:ahLst/>
+            <a:cxnLst>
+              <a:cxn ang="0">
+                <a:pos x="connsiteX0" y="connsiteY0"/>
+              </a:cxn>
+              <a:cxn ang="0">
+                <a:pos x="connsiteX1" y="connsiteY1"/>
+              </a:cxn>
+              <a:cxn ang="0">
+                <a:pos x="connsiteX2" y="connsiteY2"/>
+              </a:cxn>
+              <a:cxn ang="0">
+                <a:pos x="connsiteX3" y="connsiteY3"/>
+              </a:cxn>
+            </a:cxnLst>
+            <a:rect l="l" t="t" r="r" b="b"/>
+            <a:pathLst>
+              <a:path w="4059393" h="2548110">
+                <a:moveTo>
+                  <a:pt x="0" y="1511282"/>
+                </a:moveTo>
+                <a:lnTo>
+                  <a:pt x="1511282" y="0"/>
+                </a:lnTo>
+                <a:lnTo>
+                  <a:pt x="4059393" y="2548110"/>
+                </a:lnTo>
+                <a:lnTo>
+                  <a:pt x="0" y="2548110"/>
+                </a:lnTo>
+                <a:close/>
+              </a:path>
+            </a:pathLst>
+          </a:custGeom>
+          <a:solidFill>
+            <a:schemeClr val="accent1">
+              <a:alpha val="30000"/>
+            </a:schemeClr>
+          </a:solidFill>
+          <a:ln>
+            <a:noFill/>
+          </a:ln>
+        </p:spPr>
+        <p:style>
+          <a:lnRef idx="2">
+            <a:schemeClr val="accent1">
+              <a:shade val="50000"/>
+            </a:schemeClr>
+          </a:lnRef>
+          <a:fillRef idx="1">
+            <a:schemeClr val="accent1"/>
+          </a:fillRef>
+          <a:effectRef idx="0">
+            <a:schemeClr val="accent1"/>
+          </a:effectRef>
+          <a:fontRef idx="minor">
+            <a:schemeClr val="lt1"/>
+          </a:fontRef>
+        </p:style>
+        <p:txBody>
+          <a:bodyPr wrap="square" rtlCol="0" anchor="ctr">
+            <a:noAutofit/>
+          </a:bodyPr>
+          <a:lstStyle/>
+          <a:p>
+            <a:pPr algn="ctr"/>
+            <a:endParaRPr lang="en-US"/>
+          </a:p>
+        </p:txBody>
+      </p:sp>
+      <p:sp>
+        <p:nvSpPr>
+          <p:cNvPr id="16" name="Rectangle 15">
+            <a:extLst>
+              <a:ext uri="{FF2B5EF4-FFF2-40B4-BE49-F238E27FC236}">
+                <a16:creationId xmlns:a16="http://schemas.microsoft.com/office/drawing/2014/main" id="{A6D7111A-21E5-4EE9-8A78-10E5530F0116}"/>
+              </a:ext>
+              <a:ext uri="{C183D7F6-B498-43B3-948B-1728B52AA6E4}">
+                <adec:decorative xmlns:adec="http://schemas.microsoft.com/office/drawing/2017/decorative" val="1"/>
+              </a:ext>
+            </a:extLst>
+          </p:cNvPr>
+          <p:cNvSpPr>
+            <a:spLocks noGrp="1" noRot="1" noChangeAspect="1" noMove="1" noResize="1" noEditPoints="1" noAdjustHandles="1" noChangeArrowheads="1" noChangeShapeType="1" noTextEdit="1"/>
+          </p:cNvSpPr>
+          <p:nvPr>
+            <p:extLst>
+              <p:ext uri="{386F3935-93C4-4BCD-93E2-E3B085C9AB24}">
+                <p16:designElem xmlns:p16="http://schemas.microsoft.com/office/powerpoint/2015/main" val="1"/>
+              </p:ext>
+            </p:extLst>
+          </p:nvPr>
+        </p:nvSpPr>
+        <p:spPr>
+          <a:xfrm rot="2700000">
+            <a:off x="10262924" y="1465780"/>
+            <a:ext cx="1185708" cy="1185708"/>
+          </a:xfrm>
+          <a:prstGeom prst="rect">
+            <a:avLst/>
+          </a:prstGeom>
+          <a:solidFill>
+            <a:schemeClr val="accent1">
+              <a:alpha val="30000"/>
+            </a:schemeClr>
+          </a:solidFill>
+          <a:ln>
+            <a:noFill/>
+          </a:ln>
+        </p:spPr>
+        <p:style>
+          <a:lnRef idx="2">
+            <a:schemeClr val="accent1">
+              <a:shade val="50000"/>
+            </a:schemeClr>
+          </a:lnRef>
+          <a:fillRef idx="1">
+            <a:schemeClr val="accent1"/>
+          </a:fillRef>
+          <a:effectRef idx="0">
+            <a:schemeClr val="accent1"/>
+          </a:effectRef>
+          <a:fontRef idx="minor">
+            <a:schemeClr val="lt1"/>
+          </a:fontRef>
+        </p:style>
+        <p:txBody>
+          <a:bodyPr wrap="square" rtlCol="0" anchor="ctr">
+            <a:noAutofit/>
+          </a:bodyPr>
+          <a:lstStyle/>
+          <a:p>
+            <a:pPr algn="ctr"/>
+            <a:endParaRPr lang="en-US"/>
+          </a:p>
+        </p:txBody>
+      </p:sp>
+      <p:sp>
+        <p:nvSpPr>
+          <p:cNvPr id="18" name="Freeform: Shape 17">
+            <a:extLst>
+              <a:ext uri="{FF2B5EF4-FFF2-40B4-BE49-F238E27FC236}">
+                <a16:creationId xmlns:a16="http://schemas.microsoft.com/office/drawing/2014/main" id="{A3969E80-A77B-49FC-9122-D89AFD5EE118}"/>
+              </a:ext>
+              <a:ext uri="{C183D7F6-B498-43B3-948B-1728B52AA6E4}">
+                <adec:decorative xmlns:adec="http://schemas.microsoft.com/office/drawing/2017/decorative" val="1"/>
+              </a:ext>
+            </a:extLst>
+          </p:cNvPr>
+          <p:cNvSpPr>
+            <a:spLocks noGrp="1" noRot="1" noChangeAspect="1" noMove="1" noResize="1" noEditPoints="1" noAdjustHandles="1" noChangeArrowheads="1" noChangeShapeType="1" noTextEdit="1"/>
+          </p:cNvSpPr>
+          <p:nvPr>
+            <p:extLst>
+              <p:ext uri="{386F3935-93C4-4BCD-93E2-E3B085C9AB24}">
+                <p16:designElem xmlns:p16="http://schemas.microsoft.com/office/powerpoint/2015/main" val="1"/>
+              </p:ext>
+            </p:extLst>
+          </p:nvPr>
+        </p:nvSpPr>
+        <p:spPr>
+          <a:xfrm rot="2700000">
+            <a:off x="-29557" y="5198743"/>
+            <a:ext cx="2444907" cy="2366116"/>
+          </a:xfrm>
+          <a:custGeom>
+            <a:avLst/>
+            <a:gdLst>
+              <a:gd name="connsiteX0" fmla="*/ 0 w 2203753"/>
+              <a:gd name="connsiteY0" fmla="*/ 0 h 2132734"/>
+              <a:gd name="connsiteX1" fmla="*/ 2203753 w 2203753"/>
+              <a:gd name="connsiteY1" fmla="*/ 0 h 2132734"/>
+              <a:gd name="connsiteX2" fmla="*/ 2203753 w 2203753"/>
+              <a:gd name="connsiteY2" fmla="*/ 576461 h 2132734"/>
+              <a:gd name="connsiteX3" fmla="*/ 647480 w 2203753"/>
+              <a:gd name="connsiteY3" fmla="*/ 2132734 h 2132734"/>
+              <a:gd name="connsiteX4" fmla="*/ 0 w 2203753"/>
+              <a:gd name="connsiteY4" fmla="*/ 1485255 h 2132734"/>
+            </a:gdLst>
+            <a:ahLst/>
+            <a:cxnLst>
+              <a:cxn ang="0">
+                <a:pos x="connsiteX0" y="connsiteY0"/>
+              </a:cxn>
+              <a:cxn ang="0">
+                <a:pos x="connsiteX1" y="connsiteY1"/>
+              </a:cxn>
+              <a:cxn ang="0">
+                <a:pos x="connsiteX2" y="connsiteY2"/>
+              </a:cxn>
+              <a:cxn ang="0">
+                <a:pos x="connsiteX3" y="connsiteY3"/>
+              </a:cxn>
+              <a:cxn ang="0">
+                <a:pos x="connsiteX4" y="connsiteY4"/>
+              </a:cxn>
+            </a:cxnLst>
+            <a:rect l="l" t="t" r="r" b="b"/>
+            <a:pathLst>
+              <a:path w="2203753" h="2132734">
+                <a:moveTo>
+                  <a:pt x="0" y="0"/>
+                </a:moveTo>
+                <a:lnTo>
+                  <a:pt x="2203753" y="0"/>
+                </a:lnTo>
+                <a:lnTo>
+                  <a:pt x="2203753" y="576461"/>
+                </a:lnTo>
+                <a:lnTo>
+                  <a:pt x="647480" y="2132734"/>
+                </a:lnTo>
+                <a:lnTo>
+                  <a:pt x="0" y="1485255"/>
+                </a:lnTo>
+                <a:close/>
+              </a:path>
+            </a:pathLst>
+          </a:custGeom>
+          <a:solidFill>
+            <a:schemeClr val="accent1">
+              <a:alpha val="30000"/>
+            </a:schemeClr>
+          </a:solidFill>
+          <a:ln>
+            <a:noFill/>
+          </a:ln>
+        </p:spPr>
+        <p:style>
+          <a:lnRef idx="2">
+            <a:schemeClr val="accent1">
+              <a:shade val="50000"/>
+            </a:schemeClr>
+          </a:lnRef>
+          <a:fillRef idx="1">
+            <a:schemeClr val="accent1"/>
+          </a:fillRef>
+          <a:effectRef idx="0">
+            <a:schemeClr val="accent1"/>
+          </a:effectRef>
+          <a:fontRef idx="minor">
+            <a:schemeClr val="lt1"/>
+          </a:fontRef>
+        </p:style>
+        <p:txBody>
+          <a:bodyPr wrap="square" rtlCol="0" anchor="ctr">
+            <a:noAutofit/>
+          </a:bodyPr>
+          <a:lstStyle/>
+          <a:p>
+            <a:pPr algn="ctr"/>
+            <a:endParaRPr lang="en-US"/>
+          </a:p>
+        </p:txBody>
+      </p:sp>
+      <p:sp>
+        <p:nvSpPr>
+          <p:cNvPr id="20" name="Rectangle 19">
+            <a:extLst>
+              <a:ext uri="{FF2B5EF4-FFF2-40B4-BE49-F238E27FC236}">
+                <a16:creationId xmlns:a16="http://schemas.microsoft.com/office/drawing/2014/main" id="{1849CA57-76BD-4CF2-80BA-D7A46A01B7B1}"/>
+              </a:ext>
+              <a:ext uri="{C183D7F6-B498-43B3-948B-1728B52AA6E4}">
+                <adec:decorative xmlns:adec="http://schemas.microsoft.com/office/drawing/2017/decorative" val="1"/>
+              </a:ext>
+            </a:extLst>
+          </p:cNvPr>
+          <p:cNvSpPr>
+            <a:spLocks noGrp="1" noRot="1" noChangeAspect="1" noMove="1" noResize="1" noEditPoints="1" noAdjustHandles="1" noChangeArrowheads="1" noChangeShapeType="1" noTextEdit="1"/>
+          </p:cNvSpPr>
+          <p:nvPr>
+            <p:extLst>
+              <p:ext uri="{386F3935-93C4-4BCD-93E2-E3B085C9AB24}">
+                <p16:designElem xmlns:p16="http://schemas.microsoft.com/office/powerpoint/2015/main" val="1"/>
+              </p:ext>
+            </p:extLst>
+          </p:nvPr>
+        </p:nvSpPr>
+        <p:spPr>
+          <a:xfrm rot="2700000">
+            <a:off x="1769787" y="5439893"/>
+            <a:ext cx="928467" cy="928467"/>
+          </a:xfrm>
+          <a:prstGeom prst="rect">
+            <a:avLst/>
+          </a:prstGeom>
+          <a:solidFill>
+            <a:schemeClr val="accent1">
+              <a:alpha val="30000"/>
+            </a:schemeClr>
+          </a:solidFill>
+          <a:ln>
+            <a:noFill/>
+          </a:ln>
+        </p:spPr>
+        <p:style>
+          <a:lnRef idx="2">
+            <a:schemeClr val="accent1">
+              <a:shade val="50000"/>
+            </a:schemeClr>
+          </a:lnRef>
+          <a:fillRef idx="1">
+            <a:schemeClr val="accent1"/>
+          </a:fillRef>
+          <a:effectRef idx="0">
+            <a:schemeClr val="accent1"/>
+          </a:effectRef>
+          <a:fontRef idx="minor">
+            <a:schemeClr val="lt1"/>
+          </a:fontRef>
+        </p:style>
+        <p:txBody>
+          <a:bodyPr wrap="square" rtlCol="0" anchor="ctr">
+            <a:noAutofit/>
+          </a:bodyPr>
+          <a:lstStyle/>
+          <a:p>
+            <a:pPr algn="ctr"/>
+            <a:endParaRPr lang="en-US">
+              <a:solidFill>
+                <a:srgbClr val="FFFFFF"/>
+              </a:solidFill>
+              <a:effectLst>
+                <a:outerShdw blurRad="38100" dist="38100" dir="2700000" algn="tl">
+                  <a:srgbClr val="000000">
+                    <a:alpha val="43137"/>
+                  </a:srgbClr>
+                </a:outerShdw>
+              </a:effectLst>
+            </a:endParaRPr>
+          </a:p>
+        </p:txBody>
+      </p:sp>
+      <p:sp>
+        <p:nvSpPr>
+          <p:cNvPr id="22" name="Freeform: Shape 21">
+            <a:extLst>
+              <a:ext uri="{FF2B5EF4-FFF2-40B4-BE49-F238E27FC236}">
+                <a16:creationId xmlns:a16="http://schemas.microsoft.com/office/drawing/2014/main" id="{35E9085E-E730-4768-83D4-6CB7E9897153}"/>
+              </a:ext>
+              <a:ext uri="{C183D7F6-B498-43B3-948B-1728B52AA6E4}">
+                <adec:decorative xmlns:adec="http://schemas.microsoft.com/office/drawing/2017/decorative" val="1"/>
+              </a:ext>
+            </a:extLst>
+          </p:cNvPr>
+          <p:cNvSpPr>
+            <a:spLocks noGrp="1" noRot="1" noChangeAspect="1" noMove="1" noResize="1" noEditPoints="1" noAdjustHandles="1" noChangeArrowheads="1" noChangeShapeType="1" noTextEdit="1"/>
+          </p:cNvSpPr>
+          <p:nvPr>
+            <p:extLst>
+              <p:ext uri="{386F3935-93C4-4BCD-93E2-E3B085C9AB24}">
+                <p16:designElem xmlns:p16="http://schemas.microsoft.com/office/powerpoint/2015/main" val="1"/>
+              </p:ext>
+            </p:extLst>
+          </p:nvPr>
+        </p:nvSpPr>
+        <p:spPr>
+          <a:xfrm rot="2700000">
+            <a:off x="3401311" y="734311"/>
+            <a:ext cx="5389379" cy="5389379"/>
+          </a:xfrm>
+          <a:custGeom>
+            <a:avLst/>
+            <a:gdLst>
+              <a:gd name="connsiteX0" fmla="*/ 0 w 5389379"/>
+              <a:gd name="connsiteY0" fmla="*/ 540040 h 5389379"/>
+              <a:gd name="connsiteX1" fmla="*/ 540040 w 5389379"/>
+              <a:gd name="connsiteY1" fmla="*/ 0 h 5389379"/>
+              <a:gd name="connsiteX2" fmla="*/ 5389379 w 5389379"/>
+              <a:gd name="connsiteY2" fmla="*/ 0 h 5389379"/>
+              <a:gd name="connsiteX3" fmla="*/ 5389379 w 5389379"/>
+              <a:gd name="connsiteY3" fmla="*/ 4838655 h 5389379"/>
+              <a:gd name="connsiteX4" fmla="*/ 4838655 w 5389379"/>
+              <a:gd name="connsiteY4" fmla="*/ 5389379 h 5389379"/>
+              <a:gd name="connsiteX5" fmla="*/ 0 w 5389379"/>
+              <a:gd name="connsiteY5" fmla="*/ 5389379 h 5389379"/>
+            </a:gdLst>
+            <a:ahLst/>
+            <a:cxnLst>
+              <a:cxn ang="0">
+                <a:pos x="connsiteX0" y="connsiteY0"/>
+              </a:cxn>
+              <a:cxn ang="0">
+                <a:pos x="connsiteX1" y="connsiteY1"/>
+              </a:cxn>
+              <a:cxn ang="0">
+                <a:pos x="connsiteX2" y="connsiteY2"/>
+              </a:cxn>
+              <a:cxn ang="0">
+                <a:pos x="connsiteX3" y="connsiteY3"/>
+              </a:cxn>
+              <a:cxn ang="0">
+                <a:pos x="connsiteX4" y="connsiteY4"/>
+              </a:cxn>
+              <a:cxn ang="0">
+                <a:pos x="connsiteX5" y="connsiteY5"/>
+              </a:cxn>
+            </a:cxnLst>
+            <a:rect l="l" t="t" r="r" b="b"/>
+            <a:pathLst>
+              <a:path w="5389379" h="5389379">
+                <a:moveTo>
+                  <a:pt x="0" y="540040"/>
+                </a:moveTo>
+                <a:lnTo>
+                  <a:pt x="540040" y="0"/>
+                </a:lnTo>
+                <a:lnTo>
+                  <a:pt x="5389379" y="0"/>
+                </a:lnTo>
+                <a:lnTo>
+                  <a:pt x="5389379" y="4838655"/>
+                </a:lnTo>
+                <a:lnTo>
+                  <a:pt x="4838655" y="5389379"/>
+                </a:lnTo>
+                <a:lnTo>
+                  <a:pt x="0" y="5389379"/>
+                </a:lnTo>
+                <a:close/>
+              </a:path>
+            </a:pathLst>
+          </a:custGeom>
+          <a:solidFill>
+            <a:srgbClr val="FFFFFF"/>
+          </a:solidFill>
+          <a:ln>
+            <a:noFill/>
+          </a:ln>
+        </p:spPr>
+        <p:style>
+          <a:lnRef idx="2">
+            <a:schemeClr val="accent1">
+              <a:shade val="50000"/>
+            </a:schemeClr>
+          </a:lnRef>
+          <a:fillRef idx="1">
+            <a:schemeClr val="accent1"/>
+          </a:fillRef>
+          <a:effectRef idx="0">
+            <a:schemeClr val="accent1"/>
+          </a:effectRef>
+          <a:fontRef idx="minor">
+            <a:schemeClr val="lt1"/>
+          </a:fontRef>
+        </p:style>
+        <p:txBody>
+          <a:bodyPr wrap="square" rtlCol="0" anchor="ctr">
+            <a:noAutofit/>
+          </a:bodyPr>
+          <a:lstStyle/>
+          <a:p>
+            <a:pPr algn="ctr"/>
+            <a:endParaRPr lang="en-US"/>
+          </a:p>
+        </p:txBody>
+      </p:sp>
+      <p:sp>
+        <p:nvSpPr>
+          <p:cNvPr id="24" name="Freeform: Shape 23">
+            <a:extLst>
+              <a:ext uri="{FF2B5EF4-FFF2-40B4-BE49-F238E27FC236}">
+                <a16:creationId xmlns:a16="http://schemas.microsoft.com/office/drawing/2014/main" id="{973272FE-A474-4CAE-8CA2-BCC8B476C3F4}"/>
+              </a:ext>
+              <a:ext uri="{C183D7F6-B498-43B3-948B-1728B52AA6E4}">
+                <adec:decorative xmlns:adec="http://schemas.microsoft.com/office/drawing/2017/decorative" val="1"/>
+              </a:ext>
+            </a:extLst>
+          </p:cNvPr>
+          <p:cNvSpPr>
+            <a:spLocks noGrp="1" noRot="1" noChangeAspect="1" noMove="1" noResize="1" noEditPoints="1" noAdjustHandles="1" noChangeArrowheads="1" noChangeShapeType="1" noTextEdit="1"/>
+          </p:cNvSpPr>
+          <p:nvPr>
+            <p:extLst>
+              <p:ext uri="{386F3935-93C4-4BCD-93E2-E3B085C9AB24}">
+                <p16:designElem xmlns:p16="http://schemas.microsoft.com/office/powerpoint/2015/main" val="1"/>
+              </p:ext>
+            </p:extLst>
+          </p:nvPr>
+        </p:nvSpPr>
+        <p:spPr>
+          <a:xfrm rot="2700000">
+            <a:off x="2700283" y="33283"/>
+            <a:ext cx="6791435" cy="6791435"/>
+          </a:xfrm>
+          <a:custGeom>
+            <a:avLst/>
+            <a:gdLst>
+              <a:gd name="connsiteX0" fmla="*/ 1860938 w 6791435"/>
+              <a:gd name="connsiteY0" fmla="*/ 81158 h 6791435"/>
+              <a:gd name="connsiteX1" fmla="*/ 1942096 w 6791435"/>
+              <a:gd name="connsiteY1" fmla="*/ 0 h 6791435"/>
+              <a:gd name="connsiteX2" fmla="*/ 6791435 w 6791435"/>
+              <a:gd name="connsiteY2" fmla="*/ 0 h 6791435"/>
+              <a:gd name="connsiteX3" fmla="*/ 6791435 w 6791435"/>
+              <a:gd name="connsiteY3" fmla="*/ 4838655 h 6791435"/>
+              <a:gd name="connsiteX4" fmla="*/ 6710277 w 6791435"/>
+              <a:gd name="connsiteY4" fmla="*/ 4919813 h 6791435"/>
+              <a:gd name="connsiteX5" fmla="*/ 6710277 w 6791435"/>
+              <a:gd name="connsiteY5" fmla="*/ 81158 h 6791435"/>
+              <a:gd name="connsiteX6" fmla="*/ 0 w 6791435"/>
+              <a:gd name="connsiteY6" fmla="*/ 1942096 h 6791435"/>
+              <a:gd name="connsiteX7" fmla="*/ 81158 w 6791435"/>
+              <a:gd name="connsiteY7" fmla="*/ 1860938 h 6791435"/>
+              <a:gd name="connsiteX8" fmla="*/ 81158 w 6791435"/>
+              <a:gd name="connsiteY8" fmla="*/ 6710277 h 6791435"/>
+              <a:gd name="connsiteX9" fmla="*/ 4919813 w 6791435"/>
+              <a:gd name="connsiteY9" fmla="*/ 6710277 h 6791435"/>
+              <a:gd name="connsiteX10" fmla="*/ 4838655 w 6791435"/>
+              <a:gd name="connsiteY10" fmla="*/ 6791435 h 6791435"/>
+              <a:gd name="connsiteX11" fmla="*/ 0 w 6791435"/>
+              <a:gd name="connsiteY11" fmla="*/ 6791435 h 6791435"/>
+            </a:gdLst>
+            <a:ahLst/>
+            <a:cxnLst>
+              <a:cxn ang="0">
+                <a:pos x="connsiteX0" y="connsiteY0"/>
+              </a:cxn>
+              <a:cxn ang="0">
+                <a:pos x="connsiteX1" y="connsiteY1"/>
+              </a:cxn>
+              <a:cxn ang="0">
+                <a:pos x="connsiteX2" y="connsiteY2"/>
+              </a:cxn>
+              <a:cxn ang="0">
+                <a:pos x="connsiteX3" y="connsiteY3"/>
+              </a:cxn>
+              <a:cxn ang="0">
+                <a:pos x="connsiteX4" y="connsiteY4"/>
+              </a:cxn>
+              <a:cxn ang="0">
+                <a:pos x="connsiteX5" y="connsiteY5"/>
+              </a:cxn>
+              <a:cxn ang="0">
+                <a:pos x="connsiteX6" y="connsiteY6"/>
+              </a:cxn>
+              <a:cxn ang="0">
+                <a:pos x="connsiteX7" y="connsiteY7"/>
+              </a:cxn>
+              <a:cxn ang="0">
+                <a:pos x="connsiteX8" y="connsiteY8"/>
+              </a:cxn>
+              <a:cxn ang="0">
+                <a:pos x="connsiteX9" y="connsiteY9"/>
+              </a:cxn>
+              <a:cxn ang="0">
+                <a:pos x="connsiteX10" y="connsiteY10"/>
+              </a:cxn>
+              <a:cxn ang="0">
+                <a:pos x="connsiteX11" y="connsiteY11"/>
+              </a:cxn>
+            </a:cxnLst>
+            <a:rect l="l" t="t" r="r" b="b"/>
+            <a:pathLst>
+              <a:path w="6791435" h="6791435">
+                <a:moveTo>
+                  <a:pt x="1860938" y="81158"/>
+                </a:moveTo>
+                <a:lnTo>
+                  <a:pt x="1942096" y="0"/>
+                </a:lnTo>
+                <a:lnTo>
+                  <a:pt x="6791435" y="0"/>
+                </a:lnTo>
+                <a:lnTo>
+                  <a:pt x="6791435" y="4838655"/>
+                </a:lnTo>
+                <a:lnTo>
+                  <a:pt x="6710277" y="4919813"/>
+                </a:lnTo>
+                <a:lnTo>
+                  <a:pt x="6710277" y="81158"/>
+                </a:lnTo>
+                <a:close/>
+                <a:moveTo>
+                  <a:pt x="0" y="1942096"/>
+                </a:moveTo>
+                <a:lnTo>
+                  <a:pt x="81158" y="1860938"/>
+                </a:lnTo>
+                <a:lnTo>
+                  <a:pt x="81158" y="6710277"/>
+                </a:lnTo>
+                <a:lnTo>
+                  <a:pt x="4919813" y="6710277"/>
+                </a:lnTo>
+                <a:lnTo>
+                  <a:pt x="4838655" y="6791435"/>
+                </a:lnTo>
+                <a:lnTo>
+                  <a:pt x="0" y="6791435"/>
+                </a:lnTo>
+                <a:close/>
+              </a:path>
+            </a:pathLst>
+          </a:custGeom>
+          <a:solidFill>
+            <a:srgbClr val="FFFFFF">
+              <a:alpha val="60000"/>
+            </a:srgbClr>
+          </a:solidFill>
+          <a:ln>
+            <a:noFill/>
+          </a:ln>
+        </p:spPr>
+        <p:style>
+          <a:lnRef idx="2">
+            <a:schemeClr val="accent1">
+              <a:shade val="50000"/>
+            </a:schemeClr>
+          </a:lnRef>
+          <a:fillRef idx="1">
+            <a:schemeClr val="accent1"/>
+          </a:fillRef>
+          <a:effectRef idx="0">
+            <a:schemeClr val="accent1"/>
+          </a:effectRef>
+          <a:fontRef idx="minor">
+            <a:schemeClr val="lt1"/>
+          </a:fontRef>
+        </p:style>
+        <p:txBody>
+          <a:bodyPr wrap="square" rtlCol="0" anchor="ctr">
+            <a:noAutofit/>
+          </a:bodyPr>
+          <a:lstStyle/>
+          <a:p>
+            <a:pPr algn="ctr"/>
+            <a:endParaRPr lang="en-US">
+              <a:solidFill>
+                <a:schemeClr val="tx1"/>
+              </a:solidFill>
+            </a:endParaRPr>
+          </a:p>
+        </p:txBody>
+      </p:sp>
+      <p:sp>
+        <p:nvSpPr>
+          <p:cNvPr id="2" name="標題 1">
+            <a:extLst>
+              <a:ext uri="{FF2B5EF4-FFF2-40B4-BE49-F238E27FC236}">
+                <a16:creationId xmlns:a16="http://schemas.microsoft.com/office/drawing/2014/main" id="{4B416390-5D3E-0C10-1960-9850EA86337F}"/>
+              </a:ext>
+            </a:extLst>
+          </p:cNvPr>
+          <p:cNvSpPr>
+            <a:spLocks noGrp="1"/>
+          </p:cNvSpPr>
+          <p:nvPr>
+            <p:ph type="title"/>
+          </p:nvPr>
+        </p:nvSpPr>
+        <p:spPr>
+          <a:xfrm>
+            <a:off x="3204642" y="2353641"/>
+            <a:ext cx="5782716" cy="2150719"/>
+          </a:xfrm>
+          <a:noFill/>
+        </p:spPr>
+        <p:txBody>
+          <a:bodyPr vert="horz" lIns="91440" tIns="45720" rIns="91440" bIns="45720" rtlCol="0" anchor="ctr">
+            <a:normAutofit/>
+          </a:bodyPr>
+          <a:lstStyle/>
+          <a:p>
+            <a:pPr algn="ctr"/>
+            <a:r>
+              <a:rPr lang="zh-TW" altLang="en-US" sz="3600">
+                <a:solidFill>
+                  <a:srgbClr val="080808"/>
+                </a:solidFill>
+              </a:rPr>
+              <a:t>結束</a:t>
+            </a:r>
+            <a:endParaRPr lang="en-US" altLang="zh-TW" sz="3600" kern="1200">
+              <a:solidFill>
+                <a:srgbClr val="080808"/>
+              </a:solidFill>
+              <a:latin typeface="+mj-lt"/>
+              <a:ea typeface="+mj-ea"/>
+              <a:cs typeface="+mj-cs"/>
+            </a:endParaRPr>
+          </a:p>
+        </p:txBody>
+      </p:sp>
+      <p:sp>
+        <p:nvSpPr>
+          <p:cNvPr id="26" name="Freeform: Shape 25">
+            <a:extLst>
+              <a:ext uri="{FF2B5EF4-FFF2-40B4-BE49-F238E27FC236}">
+                <a16:creationId xmlns:a16="http://schemas.microsoft.com/office/drawing/2014/main" id="{E07981EA-05A6-437C-88D7-B377B92B031D}"/>
+              </a:ext>
+              <a:ext uri="{C183D7F6-B498-43B3-948B-1728B52AA6E4}">
+                <adec:decorative xmlns:adec="http://schemas.microsoft.com/office/drawing/2017/decorative" val="1"/>
+              </a:ext>
+            </a:extLst>
+          </p:cNvPr>
+          <p:cNvSpPr>
+            <a:spLocks noGrp="1" noRot="1" noChangeAspect="1" noMove="1" noResize="1" noEditPoints="1" noAdjustHandles="1" noChangeArrowheads="1" noChangeShapeType="1" noTextEdit="1"/>
+          </p:cNvSpPr>
+          <p:nvPr>
+            <p:extLst>
+              <p:ext uri="{386F3935-93C4-4BCD-93E2-E3B085C9AB24}">
+                <p16:designElem xmlns:p16="http://schemas.microsoft.com/office/powerpoint/2015/main" val="1"/>
+              </p:ext>
+            </p:extLst>
+          </p:nvPr>
+        </p:nvSpPr>
+        <p:spPr>
+          <a:xfrm rot="2700000">
+            <a:off x="9629823" y="5457591"/>
+            <a:ext cx="2231794" cy="2568811"/>
+          </a:xfrm>
+          <a:custGeom>
+            <a:avLst/>
+            <a:gdLst>
+              <a:gd name="connsiteX0" fmla="*/ 0 w 2940086"/>
+              <a:gd name="connsiteY0" fmla="*/ 0 h 3384061"/>
+              <a:gd name="connsiteX1" fmla="*/ 2496112 w 2940086"/>
+              <a:gd name="connsiteY1" fmla="*/ 0 h 3384061"/>
+              <a:gd name="connsiteX2" fmla="*/ 2940086 w 2940086"/>
+              <a:gd name="connsiteY2" fmla="*/ 443975 h 3384061"/>
+              <a:gd name="connsiteX3" fmla="*/ 0 w 2940086"/>
+              <a:gd name="connsiteY3" fmla="*/ 3384061 h 3384061"/>
+            </a:gdLst>
+            <a:ahLst/>
+            <a:cxnLst>
+              <a:cxn ang="0">
+                <a:pos x="connsiteX0" y="connsiteY0"/>
+              </a:cxn>
+              <a:cxn ang="0">
+                <a:pos x="connsiteX1" y="connsiteY1"/>
+              </a:cxn>
+              <a:cxn ang="0">
+                <a:pos x="connsiteX2" y="connsiteY2"/>
+              </a:cxn>
+              <a:cxn ang="0">
+                <a:pos x="connsiteX3" y="connsiteY3"/>
+              </a:cxn>
+            </a:cxnLst>
+            <a:rect l="l" t="t" r="r" b="b"/>
+            <a:pathLst>
+              <a:path w="2940086" h="3384061">
+                <a:moveTo>
+                  <a:pt x="0" y="0"/>
+                </a:moveTo>
+                <a:lnTo>
+                  <a:pt x="2496112" y="0"/>
+                </a:lnTo>
+                <a:lnTo>
+                  <a:pt x="2940086" y="443975"/>
+                </a:lnTo>
+                <a:lnTo>
+                  <a:pt x="0" y="3384061"/>
+                </a:lnTo>
+                <a:close/>
+              </a:path>
+            </a:pathLst>
+          </a:custGeom>
+          <a:solidFill>
+            <a:schemeClr val="accent4">
+              <a:alpha val="40000"/>
+            </a:schemeClr>
+          </a:solidFill>
+          <a:ln>
+            <a:noFill/>
+          </a:ln>
+        </p:spPr>
+        <p:style>
+          <a:lnRef idx="2">
+            <a:schemeClr val="accent1">
+              <a:shade val="50000"/>
+            </a:schemeClr>
+          </a:lnRef>
+          <a:fillRef idx="1">
+            <a:schemeClr val="accent1"/>
+          </a:fillRef>
+          <a:effectRef idx="0">
+            <a:schemeClr val="accent1"/>
+          </a:effectRef>
+          <a:fontRef idx="minor">
+            <a:schemeClr val="lt1"/>
+          </a:fontRef>
+        </p:style>
+        <p:txBody>
+          <a:bodyPr wrap="square" rtlCol="0" anchor="ctr">
+            <a:noAutofit/>
+          </a:bodyPr>
+          <a:lstStyle/>
+          <a:p>
+            <a:pPr algn="ctr"/>
+            <a:endParaRPr lang="en-US"/>
+          </a:p>
+        </p:txBody>
+      </p:sp>
+      <p:sp>
+        <p:nvSpPr>
+          <p:cNvPr id="28" name="Rectangle 27">
+            <a:extLst>
+              <a:ext uri="{FF2B5EF4-FFF2-40B4-BE49-F238E27FC236}">
+                <a16:creationId xmlns:a16="http://schemas.microsoft.com/office/drawing/2014/main" id="{15E3C750-986E-4769-B1AE-49289FBEE757}"/>
+              </a:ext>
+              <a:ext uri="{C183D7F6-B498-43B3-948B-1728B52AA6E4}">
+                <adec:decorative xmlns:adec="http://schemas.microsoft.com/office/drawing/2017/decorative" val="1"/>
+              </a:ext>
+            </a:extLst>
+          </p:cNvPr>
+          <p:cNvSpPr>
+            <a:spLocks noGrp="1" noRot="1" noChangeAspect="1" noMove="1" noResize="1" noEditPoints="1" noAdjustHandles="1" noChangeArrowheads="1" noChangeShapeType="1" noTextEdit="1"/>
+          </p:cNvSpPr>
+          <p:nvPr>
+            <p:extLst>
+              <p:ext uri="{386F3935-93C4-4BCD-93E2-E3B085C9AB24}">
+                <p16:designElem xmlns:p16="http://schemas.microsoft.com/office/powerpoint/2015/main" val="1"/>
+              </p:ext>
+            </p:extLst>
+          </p:nvPr>
+        </p:nvSpPr>
+        <p:spPr>
+          <a:xfrm rot="2700000">
+            <a:off x="9720059" y="5243545"/>
+            <a:ext cx="959985" cy="959985"/>
+          </a:xfrm>
+          <a:prstGeom prst="rect">
+            <a:avLst/>
+          </a:prstGeom>
+          <a:solidFill>
+            <a:schemeClr val="accent4">
+              <a:alpha val="40000"/>
+            </a:schemeClr>
+          </a:solidFill>
+          <a:ln>
+            <a:noFill/>
+          </a:ln>
+        </p:spPr>
+        <p:style>
+          <a:lnRef idx="2">
+            <a:schemeClr val="accent1">
+              <a:shade val="50000"/>
+            </a:schemeClr>
+          </a:lnRef>
+          <a:fillRef idx="1">
+            <a:schemeClr val="accent1"/>
+          </a:fillRef>
+          <a:effectRef idx="0">
+            <a:schemeClr val="accent1"/>
+          </a:effectRef>
+          <a:fontRef idx="minor">
+            <a:schemeClr val="lt1"/>
+          </a:fontRef>
+        </p:style>
+        <p:txBody>
+          <a:bodyPr wrap="square" rtlCol="0" anchor="ctr">
+            <a:noAutofit/>
+          </a:bodyPr>
+          <a:lstStyle/>
+          <a:p>
+            <a:pPr algn="ctr"/>
+            <a:endParaRPr lang="en-US"/>
+          </a:p>
+        </p:txBody>
+      </p:sp>
+    </p:spTree>
+    <p:extLst>
+      <p:ext uri="{BB962C8B-B14F-4D97-AF65-F5344CB8AC3E}">
+        <p14:creationId xmlns:p14="http://schemas.microsoft.com/office/powerpoint/2010/main" val="535584192"/>
       </p:ext>
     </p:extLst>
   </p:cSld>
